--- a/misc/cover.pptx
+++ b/misc/cover.pptx
@@ -2,18 +2,18 @@
 <file path=ppt/presentation.xml><?xml version="1.0" encoding="utf-8"?>
 <p:presentation xmlns:a="http://schemas.openxmlformats.org/drawingml/2006/main" xmlns:r="http://schemas.openxmlformats.org/officeDocument/2006/relationships" xmlns:p="http://schemas.openxmlformats.org/presentationml/2006/main" saveSubsetFonts="1" autoCompressPictures="0">
   <p:sldMasterIdLst>
-    <p:sldMasterId id="2147483648" r:id="rId1"/>
+    <p:sldMasterId id="2147483660" r:id="rId1"/>
   </p:sldMasterIdLst>
   <p:sldIdLst>
     <p:sldId id="256" r:id="rId2"/>
   </p:sldIdLst>
-  <p:sldSz cx="12192000" cy="6858000"/>
+  <p:sldSz cx="6858000" cy="11879263"/>
   <p:notesSz cx="6858000" cy="9144000"/>
   <p:defaultTextStyle>
     <a:defPPr>
       <a:defRPr lang="en-US"/>
     </a:defPPr>
-    <a:lvl1pPr marL="0" algn="l" defTabSz="914400" rtl="0" eaLnBrk="1" latinLnBrk="0" hangingPunct="1">
+    <a:lvl1pPr marL="0" algn="l" defTabSz="457200" rtl="0" eaLnBrk="1" latinLnBrk="0" hangingPunct="1">
       <a:defRPr sz="1800" kern="1200">
         <a:solidFill>
           <a:schemeClr val="tx1"/>
@@ -23,7 +23,7 @@
         <a:cs typeface="+mn-cs"/>
       </a:defRPr>
     </a:lvl1pPr>
-    <a:lvl2pPr marL="457200" algn="l" defTabSz="914400" rtl="0" eaLnBrk="1" latinLnBrk="0" hangingPunct="1">
+    <a:lvl2pPr marL="457200" algn="l" defTabSz="457200" rtl="0" eaLnBrk="1" latinLnBrk="0" hangingPunct="1">
       <a:defRPr sz="1800" kern="1200">
         <a:solidFill>
           <a:schemeClr val="tx1"/>
@@ -33,7 +33,7 @@
         <a:cs typeface="+mn-cs"/>
       </a:defRPr>
     </a:lvl2pPr>
-    <a:lvl3pPr marL="914400" algn="l" defTabSz="914400" rtl="0" eaLnBrk="1" latinLnBrk="0" hangingPunct="1">
+    <a:lvl3pPr marL="914400" algn="l" defTabSz="457200" rtl="0" eaLnBrk="1" latinLnBrk="0" hangingPunct="1">
       <a:defRPr sz="1800" kern="1200">
         <a:solidFill>
           <a:schemeClr val="tx1"/>
@@ -43,7 +43,7 @@
         <a:cs typeface="+mn-cs"/>
       </a:defRPr>
     </a:lvl3pPr>
-    <a:lvl4pPr marL="1371600" algn="l" defTabSz="914400" rtl="0" eaLnBrk="1" latinLnBrk="0" hangingPunct="1">
+    <a:lvl4pPr marL="1371600" algn="l" defTabSz="457200" rtl="0" eaLnBrk="1" latinLnBrk="0" hangingPunct="1">
       <a:defRPr sz="1800" kern="1200">
         <a:solidFill>
           <a:schemeClr val="tx1"/>
@@ -53,7 +53,7 @@
         <a:cs typeface="+mn-cs"/>
       </a:defRPr>
     </a:lvl4pPr>
-    <a:lvl5pPr marL="1828800" algn="l" defTabSz="914400" rtl="0" eaLnBrk="1" latinLnBrk="0" hangingPunct="1">
+    <a:lvl5pPr marL="1828800" algn="l" defTabSz="457200" rtl="0" eaLnBrk="1" latinLnBrk="0" hangingPunct="1">
       <a:defRPr sz="1800" kern="1200">
         <a:solidFill>
           <a:schemeClr val="tx1"/>
@@ -63,7 +63,7 @@
         <a:cs typeface="+mn-cs"/>
       </a:defRPr>
     </a:lvl5pPr>
-    <a:lvl6pPr marL="2286000" algn="l" defTabSz="914400" rtl="0" eaLnBrk="1" latinLnBrk="0" hangingPunct="1">
+    <a:lvl6pPr marL="2286000" algn="l" defTabSz="457200" rtl="0" eaLnBrk="1" latinLnBrk="0" hangingPunct="1">
       <a:defRPr sz="1800" kern="1200">
         <a:solidFill>
           <a:schemeClr val="tx1"/>
@@ -73,7 +73,7 @@
         <a:cs typeface="+mn-cs"/>
       </a:defRPr>
     </a:lvl6pPr>
-    <a:lvl7pPr marL="2743200" algn="l" defTabSz="914400" rtl="0" eaLnBrk="1" latinLnBrk="0" hangingPunct="1">
+    <a:lvl7pPr marL="2743200" algn="l" defTabSz="457200" rtl="0" eaLnBrk="1" latinLnBrk="0" hangingPunct="1">
       <a:defRPr sz="1800" kern="1200">
         <a:solidFill>
           <a:schemeClr val="tx1"/>
@@ -83,7 +83,7 @@
         <a:cs typeface="+mn-cs"/>
       </a:defRPr>
     </a:lvl7pPr>
-    <a:lvl8pPr marL="3200400" algn="l" defTabSz="914400" rtl="0" eaLnBrk="1" latinLnBrk="0" hangingPunct="1">
+    <a:lvl8pPr marL="3200400" algn="l" defTabSz="457200" rtl="0" eaLnBrk="1" latinLnBrk="0" hangingPunct="1">
       <a:defRPr sz="1800" kern="1200">
         <a:solidFill>
           <a:schemeClr val="tx1"/>
@@ -93,7 +93,7 @@
         <a:cs typeface="+mn-cs"/>
       </a:defRPr>
     </a:lvl8pPr>
-    <a:lvl9pPr marL="3657600" algn="l" defTabSz="914400" rtl="0" eaLnBrk="1" latinLnBrk="0" hangingPunct="1">
+    <a:lvl9pPr marL="3657600" algn="l" defTabSz="457200" rtl="0" eaLnBrk="1" latinLnBrk="0" hangingPunct="1">
       <a:defRPr sz="1800" kern="1200">
         <a:solidFill>
           <a:schemeClr val="tx1"/>
@@ -126,13 +126,7 @@
       </p:grpSpPr>
       <p:sp>
         <p:nvSpPr>
-          <p:cNvPr id="2" name="Title 1">
-            <a:extLst>
-              <a:ext uri="{FF2B5EF4-FFF2-40B4-BE49-F238E27FC236}">
-                <a16:creationId xmlns:a16="http://schemas.microsoft.com/office/drawing/2014/main" id="{FFAB256B-013C-D771-F616-19B06D472703}"/>
-              </a:ext>
-            </a:extLst>
-          </p:cNvPr>
+          <p:cNvPr id="2" name="Title 1"/>
           <p:cNvSpPr>
             <a:spLocks noGrp="1"/>
           </p:cNvSpPr>
@@ -142,15 +136,15 @@
         </p:nvSpPr>
         <p:spPr>
           <a:xfrm>
-            <a:off x="1524000" y="1122363"/>
-            <a:ext cx="9144000" cy="2387600"/>
+            <a:off x="514350" y="1944130"/>
+            <a:ext cx="5829300" cy="4135743"/>
           </a:xfrm>
         </p:spPr>
         <p:txBody>
           <a:bodyPr anchor="b"/>
           <a:lstStyle>
             <a:lvl1pPr algn="ctr">
-              <a:defRPr sz="6000"/>
+              <a:defRPr sz="4500"/>
             </a:lvl1pPr>
           </a:lstStyle>
           <a:p>
@@ -158,18 +152,13 @@
               <a:rPr lang="en-GB"/>
               <a:t>Click to edit Master title style</a:t>
             </a:r>
-          </a:p>
-        </p:txBody>
-      </p:sp>
-      <p:sp>
-        <p:nvSpPr>
-          <p:cNvPr id="3" name="Subtitle 2">
-            <a:extLst>
-              <a:ext uri="{FF2B5EF4-FFF2-40B4-BE49-F238E27FC236}">
-                <a16:creationId xmlns:a16="http://schemas.microsoft.com/office/drawing/2014/main" id="{FB55A68D-4D99-003D-DC2D-5D6438DF2359}"/>
-              </a:ext>
-            </a:extLst>
-          </p:cNvPr>
+            <a:endParaRPr lang="en-US" dirty="0"/>
+          </a:p>
+        </p:txBody>
+      </p:sp>
+      <p:sp>
+        <p:nvSpPr>
+          <p:cNvPr id="3" name="Subtitle 2"/>
           <p:cNvSpPr>
             <a:spLocks noGrp="1"/>
           </p:cNvSpPr>
@@ -179,8 +168,8 @@
         </p:nvSpPr>
         <p:spPr>
           <a:xfrm>
-            <a:off x="1524000" y="3602038"/>
-            <a:ext cx="9144000" cy="1655762"/>
+            <a:off x="857250" y="6239364"/>
+            <a:ext cx="5143500" cy="2868071"/>
           </a:xfrm>
         </p:spPr>
         <p:txBody>
@@ -188,39 +177,39 @@
           <a:lstStyle>
             <a:lvl1pPr marL="0" indent="0" algn="ctr">
               <a:buNone/>
-              <a:defRPr sz="2400"/>
+              <a:defRPr sz="1800"/>
             </a:lvl1pPr>
-            <a:lvl2pPr marL="457200" indent="0" algn="ctr">
-              <a:buNone/>
-              <a:defRPr sz="2000"/>
+            <a:lvl2pPr marL="342900" indent="0" algn="ctr">
+              <a:buNone/>
+              <a:defRPr sz="1500"/>
             </a:lvl2pPr>
-            <a:lvl3pPr marL="914400" indent="0" algn="ctr">
-              <a:buNone/>
-              <a:defRPr sz="1800"/>
+            <a:lvl3pPr marL="685800" indent="0" algn="ctr">
+              <a:buNone/>
+              <a:defRPr sz="1350"/>
             </a:lvl3pPr>
-            <a:lvl4pPr marL="1371600" indent="0" algn="ctr">
-              <a:buNone/>
-              <a:defRPr sz="1600"/>
+            <a:lvl4pPr marL="1028700" indent="0" algn="ctr">
+              <a:buNone/>
+              <a:defRPr sz="1200"/>
             </a:lvl4pPr>
-            <a:lvl5pPr marL="1828800" indent="0" algn="ctr">
-              <a:buNone/>
-              <a:defRPr sz="1600"/>
+            <a:lvl5pPr marL="1371600" indent="0" algn="ctr">
+              <a:buNone/>
+              <a:defRPr sz="1200"/>
             </a:lvl5pPr>
-            <a:lvl6pPr marL="2286000" indent="0" algn="ctr">
-              <a:buNone/>
-              <a:defRPr sz="1600"/>
+            <a:lvl6pPr marL="1714500" indent="0" algn="ctr">
+              <a:buNone/>
+              <a:defRPr sz="1200"/>
             </a:lvl6pPr>
-            <a:lvl7pPr marL="2743200" indent="0" algn="ctr">
-              <a:buNone/>
-              <a:defRPr sz="1600"/>
+            <a:lvl7pPr marL="2057400" indent="0" algn="ctr">
+              <a:buNone/>
+              <a:defRPr sz="1200"/>
             </a:lvl7pPr>
-            <a:lvl8pPr marL="3200400" indent="0" algn="ctr">
-              <a:buNone/>
-              <a:defRPr sz="1600"/>
+            <a:lvl8pPr marL="2400300" indent="0" algn="ctr">
+              <a:buNone/>
+              <a:defRPr sz="1200"/>
             </a:lvl8pPr>
-            <a:lvl9pPr marL="3657600" indent="0" algn="ctr">
-              <a:buNone/>
-              <a:defRPr sz="1600"/>
+            <a:lvl9pPr marL="2743200" indent="0" algn="ctr">
+              <a:buNone/>
+              <a:defRPr sz="1200"/>
             </a:lvl9pPr>
           </a:lstStyle>
           <a:p>
@@ -228,18 +217,13 @@
               <a:rPr lang="en-GB"/>
               <a:t>Click to edit Master subtitle style</a:t>
             </a:r>
-          </a:p>
-        </p:txBody>
-      </p:sp>
-      <p:sp>
-        <p:nvSpPr>
-          <p:cNvPr id="4" name="Date Placeholder 3">
-            <a:extLst>
-              <a:ext uri="{FF2B5EF4-FFF2-40B4-BE49-F238E27FC236}">
-                <a16:creationId xmlns:a16="http://schemas.microsoft.com/office/drawing/2014/main" id="{8AB26BC6-ECA8-6B3A-C042-978DFFCF3573}"/>
-              </a:ext>
-            </a:extLst>
-          </p:cNvPr>
+            <a:endParaRPr lang="en-US" dirty="0"/>
+          </a:p>
+        </p:txBody>
+      </p:sp>
+      <p:sp>
+        <p:nvSpPr>
+          <p:cNvPr id="4" name="Date Placeholder 3"/>
           <p:cNvSpPr>
             <a:spLocks noGrp="1"/>
           </p:cNvSpPr>
@@ -262,13 +246,7 @@
       </p:sp>
       <p:sp>
         <p:nvSpPr>
-          <p:cNvPr id="5" name="Footer Placeholder 4">
-            <a:extLst>
-              <a:ext uri="{FF2B5EF4-FFF2-40B4-BE49-F238E27FC236}">
-                <a16:creationId xmlns:a16="http://schemas.microsoft.com/office/drawing/2014/main" id="{34CAF87E-5FC4-C5ED-1BB6-7B14A4C441C6}"/>
-              </a:ext>
-            </a:extLst>
-          </p:cNvPr>
+          <p:cNvPr id="5" name="Footer Placeholder 4"/>
           <p:cNvSpPr>
             <a:spLocks noGrp="1"/>
           </p:cNvSpPr>
@@ -287,13 +265,7 @@
       </p:sp>
       <p:sp>
         <p:nvSpPr>
-          <p:cNvPr id="6" name="Slide Number Placeholder 5">
-            <a:extLst>
-              <a:ext uri="{FF2B5EF4-FFF2-40B4-BE49-F238E27FC236}">
-                <a16:creationId xmlns:a16="http://schemas.microsoft.com/office/drawing/2014/main" id="{33483073-1B38-055B-A39F-BFE35B008D76}"/>
-              </a:ext>
-            </a:extLst>
-          </p:cNvPr>
+          <p:cNvPr id="6" name="Slide Number Placeholder 5"/>
           <p:cNvSpPr>
             <a:spLocks noGrp="1"/>
           </p:cNvSpPr>
@@ -317,7 +289,7 @@
     </p:spTree>
     <p:extLst>
       <p:ext uri="{BB962C8B-B14F-4D97-AF65-F5344CB8AC3E}">
-        <p14:creationId xmlns:p14="http://schemas.microsoft.com/office/powerpoint/2010/main" val="994845593"/>
+        <p14:creationId xmlns:p14="http://schemas.microsoft.com/office/powerpoint/2010/main" val="229249883"/>
       </p:ext>
     </p:extLst>
   </p:cSld>
@@ -346,13 +318,7 @@
       </p:grpSpPr>
       <p:sp>
         <p:nvSpPr>
-          <p:cNvPr id="2" name="Title 1">
-            <a:extLst>
-              <a:ext uri="{FF2B5EF4-FFF2-40B4-BE49-F238E27FC236}">
-                <a16:creationId xmlns:a16="http://schemas.microsoft.com/office/drawing/2014/main" id="{2A52DE99-09C3-3383-2577-353C43C9E258}"/>
-              </a:ext>
-            </a:extLst>
-          </p:cNvPr>
+          <p:cNvPr id="2" name="Title 1"/>
           <p:cNvSpPr>
             <a:spLocks noGrp="1"/>
           </p:cNvSpPr>
@@ -369,18 +335,13 @@
               <a:rPr lang="en-GB"/>
               <a:t>Click to edit Master title style</a:t>
             </a:r>
-          </a:p>
-        </p:txBody>
-      </p:sp>
-      <p:sp>
-        <p:nvSpPr>
-          <p:cNvPr id="3" name="Vertical Text Placeholder 2">
-            <a:extLst>
-              <a:ext uri="{FF2B5EF4-FFF2-40B4-BE49-F238E27FC236}">
-                <a16:creationId xmlns:a16="http://schemas.microsoft.com/office/drawing/2014/main" id="{A71476DB-ED5C-818C-4001-7C05C22FD60A}"/>
-              </a:ext>
-            </a:extLst>
-          </p:cNvPr>
+            <a:endParaRPr lang="en-US" dirty="0"/>
+          </a:p>
+        </p:txBody>
+      </p:sp>
+      <p:sp>
+        <p:nvSpPr>
+          <p:cNvPr id="3" name="Vertical Text Placeholder 2"/>
           <p:cNvSpPr>
             <a:spLocks noGrp="1"/>
           </p:cNvSpPr>
@@ -426,18 +387,13 @@
               <a:rPr lang="en-GB"/>
               <a:t>Fifth level</a:t>
             </a:r>
-          </a:p>
-        </p:txBody>
-      </p:sp>
-      <p:sp>
-        <p:nvSpPr>
-          <p:cNvPr id="4" name="Date Placeholder 3">
-            <a:extLst>
-              <a:ext uri="{FF2B5EF4-FFF2-40B4-BE49-F238E27FC236}">
-                <a16:creationId xmlns:a16="http://schemas.microsoft.com/office/drawing/2014/main" id="{D316AB22-6A4F-7A96-9BFC-6B312835B89D}"/>
-              </a:ext>
-            </a:extLst>
-          </p:cNvPr>
+            <a:endParaRPr lang="en-US" dirty="0"/>
+          </a:p>
+        </p:txBody>
+      </p:sp>
+      <p:sp>
+        <p:nvSpPr>
+          <p:cNvPr id="4" name="Date Placeholder 3"/>
           <p:cNvSpPr>
             <a:spLocks noGrp="1"/>
           </p:cNvSpPr>
@@ -460,13 +416,7 @@
       </p:sp>
       <p:sp>
         <p:nvSpPr>
-          <p:cNvPr id="5" name="Footer Placeholder 4">
-            <a:extLst>
-              <a:ext uri="{FF2B5EF4-FFF2-40B4-BE49-F238E27FC236}">
-                <a16:creationId xmlns:a16="http://schemas.microsoft.com/office/drawing/2014/main" id="{B21F9701-4FE5-27E0-103C-D420F6B76E39}"/>
-              </a:ext>
-            </a:extLst>
-          </p:cNvPr>
+          <p:cNvPr id="5" name="Footer Placeholder 4"/>
           <p:cNvSpPr>
             <a:spLocks noGrp="1"/>
           </p:cNvSpPr>
@@ -485,13 +435,7 @@
       </p:sp>
       <p:sp>
         <p:nvSpPr>
-          <p:cNvPr id="6" name="Slide Number Placeholder 5">
-            <a:extLst>
-              <a:ext uri="{FF2B5EF4-FFF2-40B4-BE49-F238E27FC236}">
-                <a16:creationId xmlns:a16="http://schemas.microsoft.com/office/drawing/2014/main" id="{5BFB5E26-2FF6-7B8E-5EFF-6197BDBF8285}"/>
-              </a:ext>
-            </a:extLst>
-          </p:cNvPr>
+          <p:cNvPr id="6" name="Slide Number Placeholder 5"/>
           <p:cNvSpPr>
             <a:spLocks noGrp="1"/>
           </p:cNvSpPr>
@@ -515,7 +459,7 @@
     </p:spTree>
     <p:extLst>
       <p:ext uri="{BB962C8B-B14F-4D97-AF65-F5344CB8AC3E}">
-        <p14:creationId xmlns:p14="http://schemas.microsoft.com/office/powerpoint/2010/main" val="3487957874"/>
+        <p14:creationId xmlns:p14="http://schemas.microsoft.com/office/powerpoint/2010/main" val="2393841457"/>
       </p:ext>
     </p:extLst>
   </p:cSld>
@@ -544,13 +488,7 @@
       </p:grpSpPr>
       <p:sp>
         <p:nvSpPr>
-          <p:cNvPr id="2" name="Vertical Title 1">
-            <a:extLst>
-              <a:ext uri="{FF2B5EF4-FFF2-40B4-BE49-F238E27FC236}">
-                <a16:creationId xmlns:a16="http://schemas.microsoft.com/office/drawing/2014/main" id="{B9952606-D5A4-BEBC-C67F-ECD7408ED262}"/>
-              </a:ext>
-            </a:extLst>
-          </p:cNvPr>
+          <p:cNvPr id="2" name="Vertical Title 1"/>
           <p:cNvSpPr>
             <a:spLocks noGrp="1"/>
           </p:cNvSpPr>
@@ -560,8 +498,8 @@
         </p:nvSpPr>
         <p:spPr>
           <a:xfrm>
-            <a:off x="8724900" y="365125"/>
-            <a:ext cx="2628900" cy="5811838"/>
+            <a:off x="4907757" y="632461"/>
+            <a:ext cx="1478756" cy="10067126"/>
           </a:xfrm>
         </p:spPr>
         <p:txBody>
@@ -572,18 +510,13 @@
               <a:rPr lang="en-GB"/>
               <a:t>Click to edit Master title style</a:t>
             </a:r>
-          </a:p>
-        </p:txBody>
-      </p:sp>
-      <p:sp>
-        <p:nvSpPr>
-          <p:cNvPr id="3" name="Vertical Text Placeholder 2">
-            <a:extLst>
-              <a:ext uri="{FF2B5EF4-FFF2-40B4-BE49-F238E27FC236}">
-                <a16:creationId xmlns:a16="http://schemas.microsoft.com/office/drawing/2014/main" id="{CFCFD12E-D256-3F89-B74C-188D625DE749}"/>
-              </a:ext>
-            </a:extLst>
-          </p:cNvPr>
+            <a:endParaRPr lang="en-US" dirty="0"/>
+          </a:p>
+        </p:txBody>
+      </p:sp>
+      <p:sp>
+        <p:nvSpPr>
+          <p:cNvPr id="3" name="Vertical Text Placeholder 2"/>
           <p:cNvSpPr>
             <a:spLocks noGrp="1"/>
           </p:cNvSpPr>
@@ -593,8 +526,8 @@
         </p:nvSpPr>
         <p:spPr>
           <a:xfrm>
-            <a:off x="838200" y="365125"/>
-            <a:ext cx="7734300" cy="5811838"/>
+            <a:off x="471488" y="632461"/>
+            <a:ext cx="4350544" cy="10067126"/>
           </a:xfrm>
         </p:spPr>
         <p:txBody>
@@ -634,18 +567,13 @@
               <a:rPr lang="en-GB"/>
               <a:t>Fifth level</a:t>
             </a:r>
-          </a:p>
-        </p:txBody>
-      </p:sp>
-      <p:sp>
-        <p:nvSpPr>
-          <p:cNvPr id="4" name="Date Placeholder 3">
-            <a:extLst>
-              <a:ext uri="{FF2B5EF4-FFF2-40B4-BE49-F238E27FC236}">
-                <a16:creationId xmlns:a16="http://schemas.microsoft.com/office/drawing/2014/main" id="{73C9802C-8A8C-6CAB-5278-0EE8271A363E}"/>
-              </a:ext>
-            </a:extLst>
-          </p:cNvPr>
+            <a:endParaRPr lang="en-US" dirty="0"/>
+          </a:p>
+        </p:txBody>
+      </p:sp>
+      <p:sp>
+        <p:nvSpPr>
+          <p:cNvPr id="4" name="Date Placeholder 3"/>
           <p:cNvSpPr>
             <a:spLocks noGrp="1"/>
           </p:cNvSpPr>
@@ -668,13 +596,7 @@
       </p:sp>
       <p:sp>
         <p:nvSpPr>
-          <p:cNvPr id="5" name="Footer Placeholder 4">
-            <a:extLst>
-              <a:ext uri="{FF2B5EF4-FFF2-40B4-BE49-F238E27FC236}">
-                <a16:creationId xmlns:a16="http://schemas.microsoft.com/office/drawing/2014/main" id="{D618BFB8-F7AD-39AA-FA47-7D0048C87500}"/>
-              </a:ext>
-            </a:extLst>
-          </p:cNvPr>
+          <p:cNvPr id="5" name="Footer Placeholder 4"/>
           <p:cNvSpPr>
             <a:spLocks noGrp="1"/>
           </p:cNvSpPr>
@@ -693,13 +615,7 @@
       </p:sp>
       <p:sp>
         <p:nvSpPr>
-          <p:cNvPr id="6" name="Slide Number Placeholder 5">
-            <a:extLst>
-              <a:ext uri="{FF2B5EF4-FFF2-40B4-BE49-F238E27FC236}">
-                <a16:creationId xmlns:a16="http://schemas.microsoft.com/office/drawing/2014/main" id="{8C3A8D83-8353-A465-4F92-FC09E77DE7D9}"/>
-              </a:ext>
-            </a:extLst>
-          </p:cNvPr>
+          <p:cNvPr id="6" name="Slide Number Placeholder 5"/>
           <p:cNvSpPr>
             <a:spLocks noGrp="1"/>
           </p:cNvSpPr>
@@ -723,7 +639,7 @@
     </p:spTree>
     <p:extLst>
       <p:ext uri="{BB962C8B-B14F-4D97-AF65-F5344CB8AC3E}">
-        <p14:creationId xmlns:p14="http://schemas.microsoft.com/office/powerpoint/2010/main" val="1506024331"/>
+        <p14:creationId xmlns:p14="http://schemas.microsoft.com/office/powerpoint/2010/main" val="4070888691"/>
       </p:ext>
     </p:extLst>
   </p:cSld>
@@ -752,13 +668,7 @@
       </p:grpSpPr>
       <p:sp>
         <p:nvSpPr>
-          <p:cNvPr id="2" name="Title 1">
-            <a:extLst>
-              <a:ext uri="{FF2B5EF4-FFF2-40B4-BE49-F238E27FC236}">
-                <a16:creationId xmlns:a16="http://schemas.microsoft.com/office/drawing/2014/main" id="{9A374D07-4E69-875E-2275-5713856A8E4C}"/>
-              </a:ext>
-            </a:extLst>
-          </p:cNvPr>
+          <p:cNvPr id="2" name="Title 1"/>
           <p:cNvSpPr>
             <a:spLocks noGrp="1"/>
           </p:cNvSpPr>
@@ -775,18 +685,13 @@
               <a:rPr lang="en-GB"/>
               <a:t>Click to edit Master title style</a:t>
             </a:r>
-          </a:p>
-        </p:txBody>
-      </p:sp>
-      <p:sp>
-        <p:nvSpPr>
-          <p:cNvPr id="3" name="Content Placeholder 2">
-            <a:extLst>
-              <a:ext uri="{FF2B5EF4-FFF2-40B4-BE49-F238E27FC236}">
-                <a16:creationId xmlns:a16="http://schemas.microsoft.com/office/drawing/2014/main" id="{9F3268ED-2810-E268-BF6C-8C6CAE90FE74}"/>
-              </a:ext>
-            </a:extLst>
-          </p:cNvPr>
+            <a:endParaRPr lang="en-US" dirty="0"/>
+          </a:p>
+        </p:txBody>
+      </p:sp>
+      <p:sp>
+        <p:nvSpPr>
+          <p:cNvPr id="3" name="Content Placeholder 2"/>
           <p:cNvSpPr>
             <a:spLocks noGrp="1"/>
           </p:cNvSpPr>
@@ -832,18 +737,13 @@
               <a:rPr lang="en-GB"/>
               <a:t>Fifth level</a:t>
             </a:r>
-          </a:p>
-        </p:txBody>
-      </p:sp>
-      <p:sp>
-        <p:nvSpPr>
-          <p:cNvPr id="4" name="Date Placeholder 3">
-            <a:extLst>
-              <a:ext uri="{FF2B5EF4-FFF2-40B4-BE49-F238E27FC236}">
-                <a16:creationId xmlns:a16="http://schemas.microsoft.com/office/drawing/2014/main" id="{B7422DFF-ACB3-168A-9D2A-7D0EF1AB42F8}"/>
-              </a:ext>
-            </a:extLst>
-          </p:cNvPr>
+            <a:endParaRPr lang="en-US" dirty="0"/>
+          </a:p>
+        </p:txBody>
+      </p:sp>
+      <p:sp>
+        <p:nvSpPr>
+          <p:cNvPr id="4" name="Date Placeholder 3"/>
           <p:cNvSpPr>
             <a:spLocks noGrp="1"/>
           </p:cNvSpPr>
@@ -866,13 +766,7 @@
       </p:sp>
       <p:sp>
         <p:nvSpPr>
-          <p:cNvPr id="5" name="Footer Placeholder 4">
-            <a:extLst>
-              <a:ext uri="{FF2B5EF4-FFF2-40B4-BE49-F238E27FC236}">
-                <a16:creationId xmlns:a16="http://schemas.microsoft.com/office/drawing/2014/main" id="{40964325-F06F-28ED-B0A1-5F907381D2CB}"/>
-              </a:ext>
-            </a:extLst>
-          </p:cNvPr>
+          <p:cNvPr id="5" name="Footer Placeholder 4"/>
           <p:cNvSpPr>
             <a:spLocks noGrp="1"/>
           </p:cNvSpPr>
@@ -891,13 +785,7 @@
       </p:sp>
       <p:sp>
         <p:nvSpPr>
-          <p:cNvPr id="6" name="Slide Number Placeholder 5">
-            <a:extLst>
-              <a:ext uri="{FF2B5EF4-FFF2-40B4-BE49-F238E27FC236}">
-                <a16:creationId xmlns:a16="http://schemas.microsoft.com/office/drawing/2014/main" id="{23D6FD58-04FA-270C-C500-C2E3DB815090}"/>
-              </a:ext>
-            </a:extLst>
-          </p:cNvPr>
+          <p:cNvPr id="6" name="Slide Number Placeholder 5"/>
           <p:cNvSpPr>
             <a:spLocks noGrp="1"/>
           </p:cNvSpPr>
@@ -921,7 +809,7 @@
     </p:spTree>
     <p:extLst>
       <p:ext uri="{BB962C8B-B14F-4D97-AF65-F5344CB8AC3E}">
-        <p14:creationId xmlns:p14="http://schemas.microsoft.com/office/powerpoint/2010/main" val="1309120261"/>
+        <p14:creationId xmlns:p14="http://schemas.microsoft.com/office/powerpoint/2010/main" val="381782419"/>
       </p:ext>
     </p:extLst>
   </p:cSld>
@@ -950,13 +838,7 @@
       </p:grpSpPr>
       <p:sp>
         <p:nvSpPr>
-          <p:cNvPr id="2" name="Title 1">
-            <a:extLst>
-              <a:ext uri="{FF2B5EF4-FFF2-40B4-BE49-F238E27FC236}">
-                <a16:creationId xmlns:a16="http://schemas.microsoft.com/office/drawing/2014/main" id="{B0D4CB73-61E1-4C00-047F-8037DC106BB8}"/>
-              </a:ext>
-            </a:extLst>
-          </p:cNvPr>
+          <p:cNvPr id="2" name="Title 1"/>
           <p:cNvSpPr>
             <a:spLocks noGrp="1"/>
           </p:cNvSpPr>
@@ -966,15 +848,15 @@
         </p:nvSpPr>
         <p:spPr>
           <a:xfrm>
-            <a:off x="831850" y="1709738"/>
-            <a:ext cx="10515600" cy="2852737"/>
+            <a:off x="467916" y="2961570"/>
+            <a:ext cx="5915025" cy="4941443"/>
           </a:xfrm>
         </p:spPr>
         <p:txBody>
           <a:bodyPr anchor="b"/>
           <a:lstStyle>
             <a:lvl1pPr>
-              <a:defRPr sz="6000"/>
+              <a:defRPr sz="4500"/>
             </a:lvl1pPr>
           </a:lstStyle>
           <a:p>
@@ -982,18 +864,13 @@
               <a:rPr lang="en-GB"/>
               <a:t>Click to edit Master title style</a:t>
             </a:r>
-          </a:p>
-        </p:txBody>
-      </p:sp>
-      <p:sp>
-        <p:nvSpPr>
-          <p:cNvPr id="3" name="Text Placeholder 2">
-            <a:extLst>
-              <a:ext uri="{FF2B5EF4-FFF2-40B4-BE49-F238E27FC236}">
-                <a16:creationId xmlns:a16="http://schemas.microsoft.com/office/drawing/2014/main" id="{E7C7FB5D-0FFA-BB39-CB42-479B31C7BC26}"/>
-              </a:ext>
-            </a:extLst>
-          </p:cNvPr>
+            <a:endParaRPr lang="en-US" dirty="0"/>
+          </a:p>
+        </p:txBody>
+      </p:sp>
+      <p:sp>
+        <p:nvSpPr>
+          <p:cNvPr id="3" name="Text Placeholder 2"/>
           <p:cNvSpPr>
             <a:spLocks noGrp="1"/>
           </p:cNvSpPr>
@@ -1003,8 +880,8 @@
         </p:nvSpPr>
         <p:spPr>
           <a:xfrm>
-            <a:off x="831850" y="4589463"/>
-            <a:ext cx="10515600" cy="1500187"/>
+            <a:off x="467916" y="7949760"/>
+            <a:ext cx="5915025" cy="2598588"/>
           </a:xfrm>
         </p:spPr>
         <p:txBody>
@@ -1012,7 +889,7 @@
           <a:lstStyle>
             <a:lvl1pPr marL="0" indent="0">
               <a:buNone/>
-              <a:defRPr sz="2400">
+              <a:defRPr sz="1800">
                 <a:solidFill>
                   <a:schemeClr val="tx1">
                     <a:tint val="82000"/>
@@ -1020,9 +897,9 @@
                 </a:solidFill>
               </a:defRPr>
             </a:lvl1pPr>
-            <a:lvl2pPr marL="457200" indent="0">
-              <a:buNone/>
-              <a:defRPr sz="2000">
+            <a:lvl2pPr marL="342900" indent="0">
+              <a:buNone/>
+              <a:defRPr sz="1500">
                 <a:solidFill>
                   <a:schemeClr val="tx1">
                     <a:tint val="82000"/>
@@ -1030,9 +907,9 @@
                 </a:solidFill>
               </a:defRPr>
             </a:lvl2pPr>
-            <a:lvl3pPr marL="914400" indent="0">
-              <a:buNone/>
-              <a:defRPr sz="1800">
+            <a:lvl3pPr marL="685800" indent="0">
+              <a:buNone/>
+              <a:defRPr sz="1350">
                 <a:solidFill>
                   <a:schemeClr val="tx1">
                     <a:tint val="82000"/>
@@ -1040,9 +917,9 @@
                 </a:solidFill>
               </a:defRPr>
             </a:lvl3pPr>
-            <a:lvl4pPr marL="1371600" indent="0">
-              <a:buNone/>
-              <a:defRPr sz="1600">
+            <a:lvl4pPr marL="1028700" indent="0">
+              <a:buNone/>
+              <a:defRPr sz="1200">
                 <a:solidFill>
                   <a:schemeClr val="tx1">
                     <a:tint val="82000"/>
@@ -1050,9 +927,9 @@
                 </a:solidFill>
               </a:defRPr>
             </a:lvl4pPr>
-            <a:lvl5pPr marL="1828800" indent="0">
-              <a:buNone/>
-              <a:defRPr sz="1600">
+            <a:lvl5pPr marL="1371600" indent="0">
+              <a:buNone/>
+              <a:defRPr sz="1200">
                 <a:solidFill>
                   <a:schemeClr val="tx1">
                     <a:tint val="82000"/>
@@ -1060,9 +937,9 @@
                 </a:solidFill>
               </a:defRPr>
             </a:lvl5pPr>
-            <a:lvl6pPr marL="2286000" indent="0">
-              <a:buNone/>
-              <a:defRPr sz="1600">
+            <a:lvl6pPr marL="1714500" indent="0">
+              <a:buNone/>
+              <a:defRPr sz="1200">
                 <a:solidFill>
                   <a:schemeClr val="tx1">
                     <a:tint val="82000"/>
@@ -1070,9 +947,9 @@
                 </a:solidFill>
               </a:defRPr>
             </a:lvl6pPr>
-            <a:lvl7pPr marL="2743200" indent="0">
-              <a:buNone/>
-              <a:defRPr sz="1600">
+            <a:lvl7pPr marL="2057400" indent="0">
+              <a:buNone/>
+              <a:defRPr sz="1200">
                 <a:solidFill>
                   <a:schemeClr val="tx1">
                     <a:tint val="82000"/>
@@ -1080,9 +957,9 @@
                 </a:solidFill>
               </a:defRPr>
             </a:lvl7pPr>
-            <a:lvl8pPr marL="3200400" indent="0">
-              <a:buNone/>
-              <a:defRPr sz="1600">
+            <a:lvl8pPr marL="2400300" indent="0">
+              <a:buNone/>
+              <a:defRPr sz="1200">
                 <a:solidFill>
                   <a:schemeClr val="tx1">
                     <a:tint val="82000"/>
@@ -1090,9 +967,9 @@
                 </a:solidFill>
               </a:defRPr>
             </a:lvl8pPr>
-            <a:lvl9pPr marL="3657600" indent="0">
-              <a:buNone/>
-              <a:defRPr sz="1600">
+            <a:lvl9pPr marL="2743200" indent="0">
+              <a:buNone/>
+              <a:defRPr sz="1200">
                 <a:solidFill>
                   <a:schemeClr val="tx1">
                     <a:tint val="82000"/>
@@ -1112,13 +989,7 @@
       </p:sp>
       <p:sp>
         <p:nvSpPr>
-          <p:cNvPr id="4" name="Date Placeholder 3">
-            <a:extLst>
-              <a:ext uri="{FF2B5EF4-FFF2-40B4-BE49-F238E27FC236}">
-                <a16:creationId xmlns:a16="http://schemas.microsoft.com/office/drawing/2014/main" id="{1B2059B6-6A33-B755-DE79-1DF6CF221BF9}"/>
-              </a:ext>
-            </a:extLst>
-          </p:cNvPr>
+          <p:cNvPr id="4" name="Date Placeholder 3"/>
           <p:cNvSpPr>
             <a:spLocks noGrp="1"/>
           </p:cNvSpPr>
@@ -1141,13 +1012,7 @@
       </p:sp>
       <p:sp>
         <p:nvSpPr>
-          <p:cNvPr id="5" name="Footer Placeholder 4">
-            <a:extLst>
-              <a:ext uri="{FF2B5EF4-FFF2-40B4-BE49-F238E27FC236}">
-                <a16:creationId xmlns:a16="http://schemas.microsoft.com/office/drawing/2014/main" id="{716799F2-BEBB-5BF7-FED7-FDD1C799B2A8}"/>
-              </a:ext>
-            </a:extLst>
-          </p:cNvPr>
+          <p:cNvPr id="5" name="Footer Placeholder 4"/>
           <p:cNvSpPr>
             <a:spLocks noGrp="1"/>
           </p:cNvSpPr>
@@ -1166,13 +1031,7 @@
       </p:sp>
       <p:sp>
         <p:nvSpPr>
-          <p:cNvPr id="6" name="Slide Number Placeholder 5">
-            <a:extLst>
-              <a:ext uri="{FF2B5EF4-FFF2-40B4-BE49-F238E27FC236}">
-                <a16:creationId xmlns:a16="http://schemas.microsoft.com/office/drawing/2014/main" id="{C85C7124-16A7-1934-03B6-D579BF646918}"/>
-              </a:ext>
-            </a:extLst>
-          </p:cNvPr>
+          <p:cNvPr id="6" name="Slide Number Placeholder 5"/>
           <p:cNvSpPr>
             <a:spLocks noGrp="1"/>
           </p:cNvSpPr>
@@ -1196,7 +1055,7 @@
     </p:spTree>
     <p:extLst>
       <p:ext uri="{BB962C8B-B14F-4D97-AF65-F5344CB8AC3E}">
-        <p14:creationId xmlns:p14="http://schemas.microsoft.com/office/powerpoint/2010/main" val="3357288136"/>
+        <p14:creationId xmlns:p14="http://schemas.microsoft.com/office/powerpoint/2010/main" val="522008836"/>
       </p:ext>
     </p:extLst>
   </p:cSld>
@@ -1225,13 +1084,7 @@
       </p:grpSpPr>
       <p:sp>
         <p:nvSpPr>
-          <p:cNvPr id="2" name="Title 1">
-            <a:extLst>
-              <a:ext uri="{FF2B5EF4-FFF2-40B4-BE49-F238E27FC236}">
-                <a16:creationId xmlns:a16="http://schemas.microsoft.com/office/drawing/2014/main" id="{F061B5A7-2523-53A4-D30A-E31C588AFA4A}"/>
-              </a:ext>
-            </a:extLst>
-          </p:cNvPr>
+          <p:cNvPr id="2" name="Title 1"/>
           <p:cNvSpPr>
             <a:spLocks noGrp="1"/>
           </p:cNvSpPr>
@@ -1248,18 +1101,13 @@
               <a:rPr lang="en-GB"/>
               <a:t>Click to edit Master title style</a:t>
             </a:r>
-          </a:p>
-        </p:txBody>
-      </p:sp>
-      <p:sp>
-        <p:nvSpPr>
-          <p:cNvPr id="3" name="Content Placeholder 2">
-            <a:extLst>
-              <a:ext uri="{FF2B5EF4-FFF2-40B4-BE49-F238E27FC236}">
-                <a16:creationId xmlns:a16="http://schemas.microsoft.com/office/drawing/2014/main" id="{ADCCF95E-733B-6203-F75E-8A33914FE7CF}"/>
-              </a:ext>
-            </a:extLst>
-          </p:cNvPr>
+            <a:endParaRPr lang="en-US" dirty="0"/>
+          </a:p>
+        </p:txBody>
+      </p:sp>
+      <p:sp>
+        <p:nvSpPr>
+          <p:cNvPr id="3" name="Content Placeholder 2"/>
           <p:cNvSpPr>
             <a:spLocks noGrp="1"/>
           </p:cNvSpPr>
@@ -1269,8 +1117,8 @@
         </p:nvSpPr>
         <p:spPr>
           <a:xfrm>
-            <a:off x="838200" y="1825625"/>
-            <a:ext cx="5181600" cy="4351338"/>
+            <a:off x="471488" y="3162304"/>
+            <a:ext cx="2914650" cy="7537283"/>
           </a:xfrm>
         </p:spPr>
         <p:txBody>
@@ -1310,18 +1158,13 @@
               <a:rPr lang="en-GB"/>
               <a:t>Fifth level</a:t>
             </a:r>
-          </a:p>
-        </p:txBody>
-      </p:sp>
-      <p:sp>
-        <p:nvSpPr>
-          <p:cNvPr id="4" name="Content Placeholder 3">
-            <a:extLst>
-              <a:ext uri="{FF2B5EF4-FFF2-40B4-BE49-F238E27FC236}">
-                <a16:creationId xmlns:a16="http://schemas.microsoft.com/office/drawing/2014/main" id="{E158692C-C7EF-9680-45F6-CBD654868BBA}"/>
-              </a:ext>
-            </a:extLst>
-          </p:cNvPr>
+            <a:endParaRPr lang="en-US" dirty="0"/>
+          </a:p>
+        </p:txBody>
+      </p:sp>
+      <p:sp>
+        <p:nvSpPr>
+          <p:cNvPr id="4" name="Content Placeholder 3"/>
           <p:cNvSpPr>
             <a:spLocks noGrp="1"/>
           </p:cNvSpPr>
@@ -1331,8 +1174,8 @@
         </p:nvSpPr>
         <p:spPr>
           <a:xfrm>
-            <a:off x="6172200" y="1825625"/>
-            <a:ext cx="5181600" cy="4351338"/>
+            <a:off x="3471863" y="3162304"/>
+            <a:ext cx="2914650" cy="7537283"/>
           </a:xfrm>
         </p:spPr>
         <p:txBody>
@@ -1372,18 +1215,13 @@
               <a:rPr lang="en-GB"/>
               <a:t>Fifth level</a:t>
             </a:r>
-          </a:p>
-        </p:txBody>
-      </p:sp>
-      <p:sp>
-        <p:nvSpPr>
-          <p:cNvPr id="5" name="Date Placeholder 4">
-            <a:extLst>
-              <a:ext uri="{FF2B5EF4-FFF2-40B4-BE49-F238E27FC236}">
-                <a16:creationId xmlns:a16="http://schemas.microsoft.com/office/drawing/2014/main" id="{1A2828FE-598E-D487-A206-101B41BD8D78}"/>
-              </a:ext>
-            </a:extLst>
-          </p:cNvPr>
+            <a:endParaRPr lang="en-US" dirty="0"/>
+          </a:p>
+        </p:txBody>
+      </p:sp>
+      <p:sp>
+        <p:nvSpPr>
+          <p:cNvPr id="5" name="Date Placeholder 4"/>
           <p:cNvSpPr>
             <a:spLocks noGrp="1"/>
           </p:cNvSpPr>
@@ -1406,13 +1244,7 @@
       </p:sp>
       <p:sp>
         <p:nvSpPr>
-          <p:cNvPr id="6" name="Footer Placeholder 5">
-            <a:extLst>
-              <a:ext uri="{FF2B5EF4-FFF2-40B4-BE49-F238E27FC236}">
-                <a16:creationId xmlns:a16="http://schemas.microsoft.com/office/drawing/2014/main" id="{67254BFD-556F-E329-6C83-194951419CAC}"/>
-              </a:ext>
-            </a:extLst>
-          </p:cNvPr>
+          <p:cNvPr id="6" name="Footer Placeholder 5"/>
           <p:cNvSpPr>
             <a:spLocks noGrp="1"/>
           </p:cNvSpPr>
@@ -1431,13 +1263,7 @@
       </p:sp>
       <p:sp>
         <p:nvSpPr>
-          <p:cNvPr id="7" name="Slide Number Placeholder 6">
-            <a:extLst>
-              <a:ext uri="{FF2B5EF4-FFF2-40B4-BE49-F238E27FC236}">
-                <a16:creationId xmlns:a16="http://schemas.microsoft.com/office/drawing/2014/main" id="{058321D6-2475-CB30-6D46-A192E77AF78C}"/>
-              </a:ext>
-            </a:extLst>
-          </p:cNvPr>
+          <p:cNvPr id="7" name="Slide Number Placeholder 6"/>
           <p:cNvSpPr>
             <a:spLocks noGrp="1"/>
           </p:cNvSpPr>
@@ -1461,7 +1287,7 @@
     </p:spTree>
     <p:extLst>
       <p:ext uri="{BB962C8B-B14F-4D97-AF65-F5344CB8AC3E}">
-        <p14:creationId xmlns:p14="http://schemas.microsoft.com/office/powerpoint/2010/main" val="3603062167"/>
+        <p14:creationId xmlns:p14="http://schemas.microsoft.com/office/powerpoint/2010/main" val="3021080240"/>
       </p:ext>
     </p:extLst>
   </p:cSld>
@@ -1490,13 +1316,7 @@
       </p:grpSpPr>
       <p:sp>
         <p:nvSpPr>
-          <p:cNvPr id="2" name="Title 1">
-            <a:extLst>
-              <a:ext uri="{FF2B5EF4-FFF2-40B4-BE49-F238E27FC236}">
-                <a16:creationId xmlns:a16="http://schemas.microsoft.com/office/drawing/2014/main" id="{3AF06003-0D3E-7210-68D8-E11CAEF2C1F6}"/>
-              </a:ext>
-            </a:extLst>
-          </p:cNvPr>
+          <p:cNvPr id="2" name="Title 1"/>
           <p:cNvSpPr>
             <a:spLocks noGrp="1"/>
           </p:cNvSpPr>
@@ -1506,8 +1326,8 @@
         </p:nvSpPr>
         <p:spPr>
           <a:xfrm>
-            <a:off x="839788" y="365125"/>
-            <a:ext cx="10515600" cy="1325563"/>
+            <a:off x="472381" y="632464"/>
+            <a:ext cx="5915025" cy="2296108"/>
           </a:xfrm>
         </p:spPr>
         <p:txBody>
@@ -1518,18 +1338,13 @@
               <a:rPr lang="en-GB"/>
               <a:t>Click to edit Master title style</a:t>
             </a:r>
-          </a:p>
-        </p:txBody>
-      </p:sp>
-      <p:sp>
-        <p:nvSpPr>
-          <p:cNvPr id="3" name="Text Placeholder 2">
-            <a:extLst>
-              <a:ext uri="{FF2B5EF4-FFF2-40B4-BE49-F238E27FC236}">
-                <a16:creationId xmlns:a16="http://schemas.microsoft.com/office/drawing/2014/main" id="{FE784D9A-2B77-AB7B-8D24-EA934C22A99D}"/>
-              </a:ext>
-            </a:extLst>
-          </p:cNvPr>
+            <a:endParaRPr lang="en-US" dirty="0"/>
+          </a:p>
+        </p:txBody>
+      </p:sp>
+      <p:sp>
+        <p:nvSpPr>
+          <p:cNvPr id="3" name="Text Placeholder 2"/>
           <p:cNvSpPr>
             <a:spLocks noGrp="1"/>
           </p:cNvSpPr>
@@ -1539,8 +1354,8 @@
         </p:nvSpPr>
         <p:spPr>
           <a:xfrm>
-            <a:off x="839788" y="1681163"/>
-            <a:ext cx="5157787" cy="823912"/>
+            <a:off x="472381" y="2912070"/>
+            <a:ext cx="2901255" cy="1427161"/>
           </a:xfrm>
         </p:spPr>
         <p:txBody>
@@ -1548,39 +1363,39 @@
           <a:lstStyle>
             <a:lvl1pPr marL="0" indent="0">
               <a:buNone/>
-              <a:defRPr sz="2400" b="1"/>
+              <a:defRPr sz="1800" b="1"/>
             </a:lvl1pPr>
-            <a:lvl2pPr marL="457200" indent="0">
-              <a:buNone/>
-              <a:defRPr sz="2000" b="1"/>
+            <a:lvl2pPr marL="342900" indent="0">
+              <a:buNone/>
+              <a:defRPr sz="1500" b="1"/>
             </a:lvl2pPr>
-            <a:lvl3pPr marL="914400" indent="0">
-              <a:buNone/>
-              <a:defRPr sz="1800" b="1"/>
+            <a:lvl3pPr marL="685800" indent="0">
+              <a:buNone/>
+              <a:defRPr sz="1350" b="1"/>
             </a:lvl3pPr>
-            <a:lvl4pPr marL="1371600" indent="0">
-              <a:buNone/>
-              <a:defRPr sz="1600" b="1"/>
+            <a:lvl4pPr marL="1028700" indent="0">
+              <a:buNone/>
+              <a:defRPr sz="1200" b="1"/>
             </a:lvl4pPr>
-            <a:lvl5pPr marL="1828800" indent="0">
-              <a:buNone/>
-              <a:defRPr sz="1600" b="1"/>
+            <a:lvl5pPr marL="1371600" indent="0">
+              <a:buNone/>
+              <a:defRPr sz="1200" b="1"/>
             </a:lvl5pPr>
-            <a:lvl6pPr marL="2286000" indent="0">
-              <a:buNone/>
-              <a:defRPr sz="1600" b="1"/>
+            <a:lvl6pPr marL="1714500" indent="0">
+              <a:buNone/>
+              <a:defRPr sz="1200" b="1"/>
             </a:lvl6pPr>
-            <a:lvl7pPr marL="2743200" indent="0">
-              <a:buNone/>
-              <a:defRPr sz="1600" b="1"/>
+            <a:lvl7pPr marL="2057400" indent="0">
+              <a:buNone/>
+              <a:defRPr sz="1200" b="1"/>
             </a:lvl7pPr>
-            <a:lvl8pPr marL="3200400" indent="0">
-              <a:buNone/>
-              <a:defRPr sz="1600" b="1"/>
+            <a:lvl8pPr marL="2400300" indent="0">
+              <a:buNone/>
+              <a:defRPr sz="1200" b="1"/>
             </a:lvl8pPr>
-            <a:lvl9pPr marL="3657600" indent="0">
-              <a:buNone/>
-              <a:defRPr sz="1600" b="1"/>
+            <a:lvl9pPr marL="2743200" indent="0">
+              <a:buNone/>
+              <a:defRPr sz="1200" b="1"/>
             </a:lvl9pPr>
           </a:lstStyle>
           <a:p>
@@ -1594,13 +1409,7 @@
       </p:sp>
       <p:sp>
         <p:nvSpPr>
-          <p:cNvPr id="4" name="Content Placeholder 3">
-            <a:extLst>
-              <a:ext uri="{FF2B5EF4-FFF2-40B4-BE49-F238E27FC236}">
-                <a16:creationId xmlns:a16="http://schemas.microsoft.com/office/drawing/2014/main" id="{64099863-4AA4-1F4D-586D-B1742E935E41}"/>
-              </a:ext>
-            </a:extLst>
-          </p:cNvPr>
+          <p:cNvPr id="4" name="Content Placeholder 3"/>
           <p:cNvSpPr>
             <a:spLocks noGrp="1"/>
           </p:cNvSpPr>
@@ -1610,8 +1419,8 @@
         </p:nvSpPr>
         <p:spPr>
           <a:xfrm>
-            <a:off x="839788" y="2505075"/>
-            <a:ext cx="5157787" cy="3684588"/>
+            <a:off x="472381" y="4339231"/>
+            <a:ext cx="2901255" cy="6382355"/>
           </a:xfrm>
         </p:spPr>
         <p:txBody>
@@ -1651,18 +1460,13 @@
               <a:rPr lang="en-GB"/>
               <a:t>Fifth level</a:t>
             </a:r>
-          </a:p>
-        </p:txBody>
-      </p:sp>
-      <p:sp>
-        <p:nvSpPr>
-          <p:cNvPr id="5" name="Text Placeholder 4">
-            <a:extLst>
-              <a:ext uri="{FF2B5EF4-FFF2-40B4-BE49-F238E27FC236}">
-                <a16:creationId xmlns:a16="http://schemas.microsoft.com/office/drawing/2014/main" id="{FE163E7E-8860-201C-E734-8CBFC75D5A72}"/>
-              </a:ext>
-            </a:extLst>
-          </p:cNvPr>
+            <a:endParaRPr lang="en-US" dirty="0"/>
+          </a:p>
+        </p:txBody>
+      </p:sp>
+      <p:sp>
+        <p:nvSpPr>
+          <p:cNvPr id="5" name="Text Placeholder 4"/>
           <p:cNvSpPr>
             <a:spLocks noGrp="1"/>
           </p:cNvSpPr>
@@ -1672,8 +1476,8 @@
         </p:nvSpPr>
         <p:spPr>
           <a:xfrm>
-            <a:off x="6172200" y="1681163"/>
-            <a:ext cx="5183188" cy="823912"/>
+            <a:off x="3471863" y="2912070"/>
+            <a:ext cx="2915543" cy="1427161"/>
           </a:xfrm>
         </p:spPr>
         <p:txBody>
@@ -1681,39 +1485,39 @@
           <a:lstStyle>
             <a:lvl1pPr marL="0" indent="0">
               <a:buNone/>
-              <a:defRPr sz="2400" b="1"/>
+              <a:defRPr sz="1800" b="1"/>
             </a:lvl1pPr>
-            <a:lvl2pPr marL="457200" indent="0">
-              <a:buNone/>
-              <a:defRPr sz="2000" b="1"/>
+            <a:lvl2pPr marL="342900" indent="0">
+              <a:buNone/>
+              <a:defRPr sz="1500" b="1"/>
             </a:lvl2pPr>
-            <a:lvl3pPr marL="914400" indent="0">
-              <a:buNone/>
-              <a:defRPr sz="1800" b="1"/>
+            <a:lvl3pPr marL="685800" indent="0">
+              <a:buNone/>
+              <a:defRPr sz="1350" b="1"/>
             </a:lvl3pPr>
-            <a:lvl4pPr marL="1371600" indent="0">
-              <a:buNone/>
-              <a:defRPr sz="1600" b="1"/>
+            <a:lvl4pPr marL="1028700" indent="0">
+              <a:buNone/>
+              <a:defRPr sz="1200" b="1"/>
             </a:lvl4pPr>
-            <a:lvl5pPr marL="1828800" indent="0">
-              <a:buNone/>
-              <a:defRPr sz="1600" b="1"/>
+            <a:lvl5pPr marL="1371600" indent="0">
+              <a:buNone/>
+              <a:defRPr sz="1200" b="1"/>
             </a:lvl5pPr>
-            <a:lvl6pPr marL="2286000" indent="0">
-              <a:buNone/>
-              <a:defRPr sz="1600" b="1"/>
+            <a:lvl6pPr marL="1714500" indent="0">
+              <a:buNone/>
+              <a:defRPr sz="1200" b="1"/>
             </a:lvl6pPr>
-            <a:lvl7pPr marL="2743200" indent="0">
-              <a:buNone/>
-              <a:defRPr sz="1600" b="1"/>
+            <a:lvl7pPr marL="2057400" indent="0">
+              <a:buNone/>
+              <a:defRPr sz="1200" b="1"/>
             </a:lvl7pPr>
-            <a:lvl8pPr marL="3200400" indent="0">
-              <a:buNone/>
-              <a:defRPr sz="1600" b="1"/>
+            <a:lvl8pPr marL="2400300" indent="0">
+              <a:buNone/>
+              <a:defRPr sz="1200" b="1"/>
             </a:lvl8pPr>
-            <a:lvl9pPr marL="3657600" indent="0">
-              <a:buNone/>
-              <a:defRPr sz="1600" b="1"/>
+            <a:lvl9pPr marL="2743200" indent="0">
+              <a:buNone/>
+              <a:defRPr sz="1200" b="1"/>
             </a:lvl9pPr>
           </a:lstStyle>
           <a:p>
@@ -1727,13 +1531,7 @@
       </p:sp>
       <p:sp>
         <p:nvSpPr>
-          <p:cNvPr id="6" name="Content Placeholder 5">
-            <a:extLst>
-              <a:ext uri="{FF2B5EF4-FFF2-40B4-BE49-F238E27FC236}">
-                <a16:creationId xmlns:a16="http://schemas.microsoft.com/office/drawing/2014/main" id="{F9C1D95E-7980-8993-6A70-A90DA26EDB99}"/>
-              </a:ext>
-            </a:extLst>
-          </p:cNvPr>
+          <p:cNvPr id="6" name="Content Placeholder 5"/>
           <p:cNvSpPr>
             <a:spLocks noGrp="1"/>
           </p:cNvSpPr>
@@ -1743,8 +1541,8 @@
         </p:nvSpPr>
         <p:spPr>
           <a:xfrm>
-            <a:off x="6172200" y="2505075"/>
-            <a:ext cx="5183188" cy="3684588"/>
+            <a:off x="3471863" y="4339231"/>
+            <a:ext cx="2915543" cy="6382355"/>
           </a:xfrm>
         </p:spPr>
         <p:txBody>
@@ -1784,18 +1582,13 @@
               <a:rPr lang="en-GB"/>
               <a:t>Fifth level</a:t>
             </a:r>
-          </a:p>
-        </p:txBody>
-      </p:sp>
-      <p:sp>
-        <p:nvSpPr>
-          <p:cNvPr id="7" name="Date Placeholder 6">
-            <a:extLst>
-              <a:ext uri="{FF2B5EF4-FFF2-40B4-BE49-F238E27FC236}">
-                <a16:creationId xmlns:a16="http://schemas.microsoft.com/office/drawing/2014/main" id="{5F8B8E32-6EA5-C609-3EDA-274AC61B161D}"/>
-              </a:ext>
-            </a:extLst>
-          </p:cNvPr>
+            <a:endParaRPr lang="en-US" dirty="0"/>
+          </a:p>
+        </p:txBody>
+      </p:sp>
+      <p:sp>
+        <p:nvSpPr>
+          <p:cNvPr id="7" name="Date Placeholder 6"/>
           <p:cNvSpPr>
             <a:spLocks noGrp="1"/>
           </p:cNvSpPr>
@@ -1818,13 +1611,7 @@
       </p:sp>
       <p:sp>
         <p:nvSpPr>
-          <p:cNvPr id="8" name="Footer Placeholder 7">
-            <a:extLst>
-              <a:ext uri="{FF2B5EF4-FFF2-40B4-BE49-F238E27FC236}">
-                <a16:creationId xmlns:a16="http://schemas.microsoft.com/office/drawing/2014/main" id="{8D7E62C9-561E-10BD-3714-DADA5D384329}"/>
-              </a:ext>
-            </a:extLst>
-          </p:cNvPr>
+          <p:cNvPr id="8" name="Footer Placeholder 7"/>
           <p:cNvSpPr>
             <a:spLocks noGrp="1"/>
           </p:cNvSpPr>
@@ -1843,13 +1630,7 @@
       </p:sp>
       <p:sp>
         <p:nvSpPr>
-          <p:cNvPr id="9" name="Slide Number Placeholder 8">
-            <a:extLst>
-              <a:ext uri="{FF2B5EF4-FFF2-40B4-BE49-F238E27FC236}">
-                <a16:creationId xmlns:a16="http://schemas.microsoft.com/office/drawing/2014/main" id="{A3B61FE7-1E86-2B23-0865-FF5EC7A2A8B8}"/>
-              </a:ext>
-            </a:extLst>
-          </p:cNvPr>
+          <p:cNvPr id="9" name="Slide Number Placeholder 8"/>
           <p:cNvSpPr>
             <a:spLocks noGrp="1"/>
           </p:cNvSpPr>
@@ -1873,7 +1654,7 @@
     </p:spTree>
     <p:extLst>
       <p:ext uri="{BB962C8B-B14F-4D97-AF65-F5344CB8AC3E}">
-        <p14:creationId xmlns:p14="http://schemas.microsoft.com/office/powerpoint/2010/main" val="2814083496"/>
+        <p14:creationId xmlns:p14="http://schemas.microsoft.com/office/powerpoint/2010/main" val="4145568681"/>
       </p:ext>
     </p:extLst>
   </p:cSld>
@@ -1902,13 +1683,7 @@
       </p:grpSpPr>
       <p:sp>
         <p:nvSpPr>
-          <p:cNvPr id="2" name="Title 1">
-            <a:extLst>
-              <a:ext uri="{FF2B5EF4-FFF2-40B4-BE49-F238E27FC236}">
-                <a16:creationId xmlns:a16="http://schemas.microsoft.com/office/drawing/2014/main" id="{BB8D3333-A831-1AD9-DA69-3F50A79BF75C}"/>
-              </a:ext>
-            </a:extLst>
-          </p:cNvPr>
+          <p:cNvPr id="2" name="Title 1"/>
           <p:cNvSpPr>
             <a:spLocks noGrp="1"/>
           </p:cNvSpPr>
@@ -1925,18 +1700,13 @@
               <a:rPr lang="en-GB"/>
               <a:t>Click to edit Master title style</a:t>
             </a:r>
-          </a:p>
-        </p:txBody>
-      </p:sp>
-      <p:sp>
-        <p:nvSpPr>
-          <p:cNvPr id="3" name="Date Placeholder 2">
-            <a:extLst>
-              <a:ext uri="{FF2B5EF4-FFF2-40B4-BE49-F238E27FC236}">
-                <a16:creationId xmlns:a16="http://schemas.microsoft.com/office/drawing/2014/main" id="{2274CD25-9875-7A0A-5DE4-DA57D6A77EF9}"/>
-              </a:ext>
-            </a:extLst>
-          </p:cNvPr>
+            <a:endParaRPr lang="en-US" dirty="0"/>
+          </a:p>
+        </p:txBody>
+      </p:sp>
+      <p:sp>
+        <p:nvSpPr>
+          <p:cNvPr id="3" name="Date Placeholder 2"/>
           <p:cNvSpPr>
             <a:spLocks noGrp="1"/>
           </p:cNvSpPr>
@@ -1959,13 +1729,7 @@
       </p:sp>
       <p:sp>
         <p:nvSpPr>
-          <p:cNvPr id="4" name="Footer Placeholder 3">
-            <a:extLst>
-              <a:ext uri="{FF2B5EF4-FFF2-40B4-BE49-F238E27FC236}">
-                <a16:creationId xmlns:a16="http://schemas.microsoft.com/office/drawing/2014/main" id="{9F28F5CA-628B-94A2-A70A-0B9B3B66AE8C}"/>
-              </a:ext>
-            </a:extLst>
-          </p:cNvPr>
+          <p:cNvPr id="4" name="Footer Placeholder 3"/>
           <p:cNvSpPr>
             <a:spLocks noGrp="1"/>
           </p:cNvSpPr>
@@ -1984,13 +1748,7 @@
       </p:sp>
       <p:sp>
         <p:nvSpPr>
-          <p:cNvPr id="5" name="Slide Number Placeholder 4">
-            <a:extLst>
-              <a:ext uri="{FF2B5EF4-FFF2-40B4-BE49-F238E27FC236}">
-                <a16:creationId xmlns:a16="http://schemas.microsoft.com/office/drawing/2014/main" id="{A450FDAF-2408-2E20-597E-E257A8BB5402}"/>
-              </a:ext>
-            </a:extLst>
-          </p:cNvPr>
+          <p:cNvPr id="5" name="Slide Number Placeholder 4"/>
           <p:cNvSpPr>
             <a:spLocks noGrp="1"/>
           </p:cNvSpPr>
@@ -2014,7 +1772,7 @@
     </p:spTree>
     <p:extLst>
       <p:ext uri="{BB962C8B-B14F-4D97-AF65-F5344CB8AC3E}">
-        <p14:creationId xmlns:p14="http://schemas.microsoft.com/office/powerpoint/2010/main" val="3574126960"/>
+        <p14:creationId xmlns:p14="http://schemas.microsoft.com/office/powerpoint/2010/main" val="3726567729"/>
       </p:ext>
     </p:extLst>
   </p:cSld>
@@ -2043,13 +1801,7 @@
       </p:grpSpPr>
       <p:sp>
         <p:nvSpPr>
-          <p:cNvPr id="2" name="Date Placeholder 1">
-            <a:extLst>
-              <a:ext uri="{FF2B5EF4-FFF2-40B4-BE49-F238E27FC236}">
-                <a16:creationId xmlns:a16="http://schemas.microsoft.com/office/drawing/2014/main" id="{58072F14-C413-7C25-1F4B-B77B071E0638}"/>
-              </a:ext>
-            </a:extLst>
-          </p:cNvPr>
+          <p:cNvPr id="2" name="Date Placeholder 1"/>
           <p:cNvSpPr>
             <a:spLocks noGrp="1"/>
           </p:cNvSpPr>
@@ -2072,13 +1824,7 @@
       </p:sp>
       <p:sp>
         <p:nvSpPr>
-          <p:cNvPr id="3" name="Footer Placeholder 2">
-            <a:extLst>
-              <a:ext uri="{FF2B5EF4-FFF2-40B4-BE49-F238E27FC236}">
-                <a16:creationId xmlns:a16="http://schemas.microsoft.com/office/drawing/2014/main" id="{05B4169B-663C-037E-0672-495FD17DD5A1}"/>
-              </a:ext>
-            </a:extLst>
-          </p:cNvPr>
+          <p:cNvPr id="3" name="Footer Placeholder 2"/>
           <p:cNvSpPr>
             <a:spLocks noGrp="1"/>
           </p:cNvSpPr>
@@ -2097,13 +1843,7 @@
       </p:sp>
       <p:sp>
         <p:nvSpPr>
-          <p:cNvPr id="4" name="Slide Number Placeholder 3">
-            <a:extLst>
-              <a:ext uri="{FF2B5EF4-FFF2-40B4-BE49-F238E27FC236}">
-                <a16:creationId xmlns:a16="http://schemas.microsoft.com/office/drawing/2014/main" id="{0503E4DC-447B-8E3F-98DE-AFB2069AB195}"/>
-              </a:ext>
-            </a:extLst>
-          </p:cNvPr>
+          <p:cNvPr id="4" name="Slide Number Placeholder 3"/>
           <p:cNvSpPr>
             <a:spLocks noGrp="1"/>
           </p:cNvSpPr>
@@ -2127,7 +1867,7 @@
     </p:spTree>
     <p:extLst>
       <p:ext uri="{BB962C8B-B14F-4D97-AF65-F5344CB8AC3E}">
-        <p14:creationId xmlns:p14="http://schemas.microsoft.com/office/powerpoint/2010/main" val="4057613110"/>
+        <p14:creationId xmlns:p14="http://schemas.microsoft.com/office/powerpoint/2010/main" val="1123885349"/>
       </p:ext>
     </p:extLst>
   </p:cSld>
@@ -2156,13 +1896,7 @@
       </p:grpSpPr>
       <p:sp>
         <p:nvSpPr>
-          <p:cNvPr id="2" name="Title 1">
-            <a:extLst>
-              <a:ext uri="{FF2B5EF4-FFF2-40B4-BE49-F238E27FC236}">
-                <a16:creationId xmlns:a16="http://schemas.microsoft.com/office/drawing/2014/main" id="{70720787-95C1-3C98-1D30-533892E2B6A0}"/>
-              </a:ext>
-            </a:extLst>
-          </p:cNvPr>
+          <p:cNvPr id="2" name="Title 1"/>
           <p:cNvSpPr>
             <a:spLocks noGrp="1"/>
           </p:cNvSpPr>
@@ -2172,15 +1906,15 @@
         </p:nvSpPr>
         <p:spPr>
           <a:xfrm>
-            <a:off x="839788" y="457200"/>
-            <a:ext cx="3932237" cy="1600200"/>
+            <a:off x="472381" y="791951"/>
+            <a:ext cx="2211884" cy="2771828"/>
           </a:xfrm>
         </p:spPr>
         <p:txBody>
           <a:bodyPr anchor="b"/>
           <a:lstStyle>
             <a:lvl1pPr>
-              <a:defRPr sz="3200"/>
+              <a:defRPr sz="2400"/>
             </a:lvl1pPr>
           </a:lstStyle>
           <a:p>
@@ -2188,18 +1922,13 @@
               <a:rPr lang="en-GB"/>
               <a:t>Click to edit Master title style</a:t>
             </a:r>
-          </a:p>
-        </p:txBody>
-      </p:sp>
-      <p:sp>
-        <p:nvSpPr>
-          <p:cNvPr id="3" name="Content Placeholder 2">
-            <a:extLst>
-              <a:ext uri="{FF2B5EF4-FFF2-40B4-BE49-F238E27FC236}">
-                <a16:creationId xmlns:a16="http://schemas.microsoft.com/office/drawing/2014/main" id="{0F4E22BC-840A-0483-3B07-2416F7F884E0}"/>
-              </a:ext>
-            </a:extLst>
-          </p:cNvPr>
+            <a:endParaRPr lang="en-US" dirty="0"/>
+          </a:p>
+        </p:txBody>
+      </p:sp>
+      <p:sp>
+        <p:nvSpPr>
+          <p:cNvPr id="3" name="Content Placeholder 2"/>
           <p:cNvSpPr>
             <a:spLocks noGrp="1"/>
           </p:cNvSpPr>
@@ -2209,39 +1938,39 @@
         </p:nvSpPr>
         <p:spPr>
           <a:xfrm>
-            <a:off x="5183188" y="987425"/>
-            <a:ext cx="6172200" cy="4873625"/>
+            <a:off x="2915543" y="1710397"/>
+            <a:ext cx="3471863" cy="8441976"/>
           </a:xfrm>
         </p:spPr>
         <p:txBody>
           <a:bodyPr/>
           <a:lstStyle>
             <a:lvl1pPr>
-              <a:defRPr sz="3200"/>
+              <a:defRPr sz="2400"/>
             </a:lvl1pPr>
             <a:lvl2pPr>
-              <a:defRPr sz="2800"/>
+              <a:defRPr sz="2100"/>
             </a:lvl2pPr>
             <a:lvl3pPr>
-              <a:defRPr sz="2400"/>
+              <a:defRPr sz="1800"/>
             </a:lvl3pPr>
             <a:lvl4pPr>
-              <a:defRPr sz="2000"/>
+              <a:defRPr sz="1500"/>
             </a:lvl4pPr>
             <a:lvl5pPr>
-              <a:defRPr sz="2000"/>
+              <a:defRPr sz="1500"/>
             </a:lvl5pPr>
             <a:lvl6pPr>
-              <a:defRPr sz="2000"/>
+              <a:defRPr sz="1500"/>
             </a:lvl6pPr>
             <a:lvl7pPr>
-              <a:defRPr sz="2000"/>
+              <a:defRPr sz="1500"/>
             </a:lvl7pPr>
             <a:lvl8pPr>
-              <a:defRPr sz="2000"/>
+              <a:defRPr sz="1500"/>
             </a:lvl8pPr>
             <a:lvl9pPr>
-              <a:defRPr sz="2000"/>
+              <a:defRPr sz="1500"/>
             </a:lvl9pPr>
           </a:lstStyle>
           <a:p>
@@ -2278,18 +2007,13 @@
               <a:rPr lang="en-GB"/>
               <a:t>Fifth level</a:t>
             </a:r>
-          </a:p>
-        </p:txBody>
-      </p:sp>
-      <p:sp>
-        <p:nvSpPr>
-          <p:cNvPr id="4" name="Text Placeholder 3">
-            <a:extLst>
-              <a:ext uri="{FF2B5EF4-FFF2-40B4-BE49-F238E27FC236}">
-                <a16:creationId xmlns:a16="http://schemas.microsoft.com/office/drawing/2014/main" id="{887EDBF8-A2D2-9CD6-1B13-D385E6B2474D}"/>
-              </a:ext>
-            </a:extLst>
-          </p:cNvPr>
+            <a:endParaRPr lang="en-US" dirty="0"/>
+          </a:p>
+        </p:txBody>
+      </p:sp>
+      <p:sp>
+        <p:nvSpPr>
+          <p:cNvPr id="4" name="Text Placeholder 3"/>
           <p:cNvSpPr>
             <a:spLocks noGrp="1"/>
           </p:cNvSpPr>
@@ -2299,8 +2023,8 @@
         </p:nvSpPr>
         <p:spPr>
           <a:xfrm>
-            <a:off x="839788" y="2057400"/>
-            <a:ext cx="3932237" cy="3811588"/>
+            <a:off x="472381" y="3563779"/>
+            <a:ext cx="2211884" cy="6602341"/>
           </a:xfrm>
         </p:spPr>
         <p:txBody>
@@ -2308,39 +2032,39 @@
           <a:lstStyle>
             <a:lvl1pPr marL="0" indent="0">
               <a:buNone/>
-              <a:defRPr sz="1600"/>
+              <a:defRPr sz="1200"/>
             </a:lvl1pPr>
-            <a:lvl2pPr marL="457200" indent="0">
-              <a:buNone/>
-              <a:defRPr sz="1400"/>
+            <a:lvl2pPr marL="342900" indent="0">
+              <a:buNone/>
+              <a:defRPr sz="1050"/>
             </a:lvl2pPr>
-            <a:lvl3pPr marL="914400" indent="0">
-              <a:buNone/>
-              <a:defRPr sz="1200"/>
+            <a:lvl3pPr marL="685800" indent="0">
+              <a:buNone/>
+              <a:defRPr sz="900"/>
             </a:lvl3pPr>
-            <a:lvl4pPr marL="1371600" indent="0">
-              <a:buNone/>
-              <a:defRPr sz="1000"/>
+            <a:lvl4pPr marL="1028700" indent="0">
+              <a:buNone/>
+              <a:defRPr sz="750"/>
             </a:lvl4pPr>
-            <a:lvl5pPr marL="1828800" indent="0">
-              <a:buNone/>
-              <a:defRPr sz="1000"/>
+            <a:lvl5pPr marL="1371600" indent="0">
+              <a:buNone/>
+              <a:defRPr sz="750"/>
             </a:lvl5pPr>
-            <a:lvl6pPr marL="2286000" indent="0">
-              <a:buNone/>
-              <a:defRPr sz="1000"/>
+            <a:lvl6pPr marL="1714500" indent="0">
+              <a:buNone/>
+              <a:defRPr sz="750"/>
             </a:lvl6pPr>
-            <a:lvl7pPr marL="2743200" indent="0">
-              <a:buNone/>
-              <a:defRPr sz="1000"/>
+            <a:lvl7pPr marL="2057400" indent="0">
+              <a:buNone/>
+              <a:defRPr sz="750"/>
             </a:lvl7pPr>
-            <a:lvl8pPr marL="3200400" indent="0">
-              <a:buNone/>
-              <a:defRPr sz="1000"/>
+            <a:lvl8pPr marL="2400300" indent="0">
+              <a:buNone/>
+              <a:defRPr sz="750"/>
             </a:lvl8pPr>
-            <a:lvl9pPr marL="3657600" indent="0">
-              <a:buNone/>
-              <a:defRPr sz="1000"/>
+            <a:lvl9pPr marL="2743200" indent="0">
+              <a:buNone/>
+              <a:defRPr sz="750"/>
             </a:lvl9pPr>
           </a:lstStyle>
           <a:p>
@@ -2354,13 +2078,7 @@
       </p:sp>
       <p:sp>
         <p:nvSpPr>
-          <p:cNvPr id="5" name="Date Placeholder 4">
-            <a:extLst>
-              <a:ext uri="{FF2B5EF4-FFF2-40B4-BE49-F238E27FC236}">
-                <a16:creationId xmlns:a16="http://schemas.microsoft.com/office/drawing/2014/main" id="{5B0536B5-7DF2-5008-DC7E-2E26DDAC128E}"/>
-              </a:ext>
-            </a:extLst>
-          </p:cNvPr>
+          <p:cNvPr id="5" name="Date Placeholder 4"/>
           <p:cNvSpPr>
             <a:spLocks noGrp="1"/>
           </p:cNvSpPr>
@@ -2383,13 +2101,7 @@
       </p:sp>
       <p:sp>
         <p:nvSpPr>
-          <p:cNvPr id="6" name="Footer Placeholder 5">
-            <a:extLst>
-              <a:ext uri="{FF2B5EF4-FFF2-40B4-BE49-F238E27FC236}">
-                <a16:creationId xmlns:a16="http://schemas.microsoft.com/office/drawing/2014/main" id="{02FAB00F-7C35-8FB8-62CE-772B6C9C79DF}"/>
-              </a:ext>
-            </a:extLst>
-          </p:cNvPr>
+          <p:cNvPr id="6" name="Footer Placeholder 5"/>
           <p:cNvSpPr>
             <a:spLocks noGrp="1"/>
           </p:cNvSpPr>
@@ -2408,13 +2120,7 @@
       </p:sp>
       <p:sp>
         <p:nvSpPr>
-          <p:cNvPr id="7" name="Slide Number Placeholder 6">
-            <a:extLst>
-              <a:ext uri="{FF2B5EF4-FFF2-40B4-BE49-F238E27FC236}">
-                <a16:creationId xmlns:a16="http://schemas.microsoft.com/office/drawing/2014/main" id="{AA0A9DB3-F974-5B9F-F26A-7A054C7FEBE8}"/>
-              </a:ext>
-            </a:extLst>
-          </p:cNvPr>
+          <p:cNvPr id="7" name="Slide Number Placeholder 6"/>
           <p:cNvSpPr>
             <a:spLocks noGrp="1"/>
           </p:cNvSpPr>
@@ -2438,7 +2144,7 @@
     </p:spTree>
     <p:extLst>
       <p:ext uri="{BB962C8B-B14F-4D97-AF65-F5344CB8AC3E}">
-        <p14:creationId xmlns:p14="http://schemas.microsoft.com/office/powerpoint/2010/main" val="97695355"/>
+        <p14:creationId xmlns:p14="http://schemas.microsoft.com/office/powerpoint/2010/main" val="2296848445"/>
       </p:ext>
     </p:extLst>
   </p:cSld>
@@ -2467,13 +2173,7 @@
       </p:grpSpPr>
       <p:sp>
         <p:nvSpPr>
-          <p:cNvPr id="2" name="Title 1">
-            <a:extLst>
-              <a:ext uri="{FF2B5EF4-FFF2-40B4-BE49-F238E27FC236}">
-                <a16:creationId xmlns:a16="http://schemas.microsoft.com/office/drawing/2014/main" id="{29B94F6B-159A-C32B-04E8-0193729C83DF}"/>
-              </a:ext>
-            </a:extLst>
-          </p:cNvPr>
+          <p:cNvPr id="2" name="Title 1"/>
           <p:cNvSpPr>
             <a:spLocks noGrp="1"/>
           </p:cNvSpPr>
@@ -2483,15 +2183,15 @@
         </p:nvSpPr>
         <p:spPr>
           <a:xfrm>
-            <a:off x="839788" y="457200"/>
-            <a:ext cx="3932237" cy="1600200"/>
+            <a:off x="472381" y="791951"/>
+            <a:ext cx="2211884" cy="2771828"/>
           </a:xfrm>
         </p:spPr>
         <p:txBody>
           <a:bodyPr anchor="b"/>
           <a:lstStyle>
             <a:lvl1pPr>
-              <a:defRPr sz="3200"/>
+              <a:defRPr sz="2400"/>
             </a:lvl1pPr>
           </a:lstStyle>
           <a:p>
@@ -2499,20 +2199,15 @@
               <a:rPr lang="en-GB"/>
               <a:t>Click to edit Master title style</a:t>
             </a:r>
-          </a:p>
-        </p:txBody>
-      </p:sp>
-      <p:sp>
-        <p:nvSpPr>
-          <p:cNvPr id="3" name="Picture Placeholder 2">
-            <a:extLst>
-              <a:ext uri="{FF2B5EF4-FFF2-40B4-BE49-F238E27FC236}">
-                <a16:creationId xmlns:a16="http://schemas.microsoft.com/office/drawing/2014/main" id="{F544FE50-A26D-041B-37A0-7EFABF3EFCE3}"/>
-              </a:ext>
-            </a:extLst>
-          </p:cNvPr>
-          <p:cNvSpPr>
-            <a:spLocks noGrp="1"/>
+            <a:endParaRPr lang="en-US" dirty="0"/>
+          </a:p>
+        </p:txBody>
+      </p:sp>
+      <p:sp>
+        <p:nvSpPr>
+          <p:cNvPr id="3" name="Picture Placeholder 2"/>
+          <p:cNvSpPr>
+            <a:spLocks noGrp="1" noChangeAspect="1"/>
           </p:cNvSpPr>
           <p:nvPr>
             <p:ph type="pic" idx="1"/>
@@ -2520,64 +2215,62 @@
         </p:nvSpPr>
         <p:spPr>
           <a:xfrm>
-            <a:off x="5183188" y="987425"/>
-            <a:ext cx="6172200" cy="4873625"/>
+            <a:off x="2915543" y="1710397"/>
+            <a:ext cx="3471863" cy="8441976"/>
           </a:xfrm>
         </p:spPr>
         <p:txBody>
-          <a:bodyPr/>
+          <a:bodyPr anchor="t"/>
           <a:lstStyle>
             <a:lvl1pPr marL="0" indent="0">
               <a:buNone/>
-              <a:defRPr sz="3200"/>
+              <a:defRPr sz="2400"/>
             </a:lvl1pPr>
-            <a:lvl2pPr marL="457200" indent="0">
-              <a:buNone/>
-              <a:defRPr sz="2800"/>
+            <a:lvl2pPr marL="342900" indent="0">
+              <a:buNone/>
+              <a:defRPr sz="2100"/>
             </a:lvl2pPr>
-            <a:lvl3pPr marL="914400" indent="0">
-              <a:buNone/>
-              <a:defRPr sz="2400"/>
+            <a:lvl3pPr marL="685800" indent="0">
+              <a:buNone/>
+              <a:defRPr sz="1800"/>
             </a:lvl3pPr>
-            <a:lvl4pPr marL="1371600" indent="0">
-              <a:buNone/>
-              <a:defRPr sz="2000"/>
+            <a:lvl4pPr marL="1028700" indent="0">
+              <a:buNone/>
+              <a:defRPr sz="1500"/>
             </a:lvl4pPr>
-            <a:lvl5pPr marL="1828800" indent="0">
-              <a:buNone/>
-              <a:defRPr sz="2000"/>
+            <a:lvl5pPr marL="1371600" indent="0">
+              <a:buNone/>
+              <a:defRPr sz="1500"/>
             </a:lvl5pPr>
-            <a:lvl6pPr marL="2286000" indent="0">
-              <a:buNone/>
-              <a:defRPr sz="2000"/>
+            <a:lvl6pPr marL="1714500" indent="0">
+              <a:buNone/>
+              <a:defRPr sz="1500"/>
             </a:lvl6pPr>
-            <a:lvl7pPr marL="2743200" indent="0">
-              <a:buNone/>
-              <a:defRPr sz="2000"/>
+            <a:lvl7pPr marL="2057400" indent="0">
+              <a:buNone/>
+              <a:defRPr sz="1500"/>
             </a:lvl7pPr>
-            <a:lvl8pPr marL="3200400" indent="0">
-              <a:buNone/>
-              <a:defRPr sz="2000"/>
+            <a:lvl8pPr marL="2400300" indent="0">
+              <a:buNone/>
+              <a:defRPr sz="1500"/>
             </a:lvl8pPr>
-            <a:lvl9pPr marL="3657600" indent="0">
-              <a:buNone/>
-              <a:defRPr sz="2000"/>
+            <a:lvl9pPr marL="2743200" indent="0">
+              <a:buNone/>
+              <a:defRPr sz="1500"/>
             </a:lvl9pPr>
           </a:lstStyle>
           <a:p>
-            <a:endParaRPr lang="en-GB"/>
-          </a:p>
-        </p:txBody>
-      </p:sp>
-      <p:sp>
-        <p:nvSpPr>
-          <p:cNvPr id="4" name="Text Placeholder 3">
-            <a:extLst>
-              <a:ext uri="{FF2B5EF4-FFF2-40B4-BE49-F238E27FC236}">
-                <a16:creationId xmlns:a16="http://schemas.microsoft.com/office/drawing/2014/main" id="{E1B1B5E0-6E04-34DA-411C-2F4D0E786094}"/>
-              </a:ext>
-            </a:extLst>
-          </p:cNvPr>
+            <a:r>
+              <a:rPr lang="en-GB"/>
+              <a:t>Click icon to add picture</a:t>
+            </a:r>
+            <a:endParaRPr lang="en-US" dirty="0"/>
+          </a:p>
+        </p:txBody>
+      </p:sp>
+      <p:sp>
+        <p:nvSpPr>
+          <p:cNvPr id="4" name="Text Placeholder 3"/>
           <p:cNvSpPr>
             <a:spLocks noGrp="1"/>
           </p:cNvSpPr>
@@ -2587,8 +2280,8 @@
         </p:nvSpPr>
         <p:spPr>
           <a:xfrm>
-            <a:off x="839788" y="2057400"/>
-            <a:ext cx="3932237" cy="3811588"/>
+            <a:off x="472381" y="3563779"/>
+            <a:ext cx="2211884" cy="6602341"/>
           </a:xfrm>
         </p:spPr>
         <p:txBody>
@@ -2596,39 +2289,39 @@
           <a:lstStyle>
             <a:lvl1pPr marL="0" indent="0">
               <a:buNone/>
-              <a:defRPr sz="1600"/>
+              <a:defRPr sz="1200"/>
             </a:lvl1pPr>
-            <a:lvl2pPr marL="457200" indent="0">
-              <a:buNone/>
-              <a:defRPr sz="1400"/>
+            <a:lvl2pPr marL="342900" indent="0">
+              <a:buNone/>
+              <a:defRPr sz="1050"/>
             </a:lvl2pPr>
-            <a:lvl3pPr marL="914400" indent="0">
-              <a:buNone/>
-              <a:defRPr sz="1200"/>
+            <a:lvl3pPr marL="685800" indent="0">
+              <a:buNone/>
+              <a:defRPr sz="900"/>
             </a:lvl3pPr>
-            <a:lvl4pPr marL="1371600" indent="0">
-              <a:buNone/>
-              <a:defRPr sz="1000"/>
+            <a:lvl4pPr marL="1028700" indent="0">
+              <a:buNone/>
+              <a:defRPr sz="750"/>
             </a:lvl4pPr>
-            <a:lvl5pPr marL="1828800" indent="0">
-              <a:buNone/>
-              <a:defRPr sz="1000"/>
+            <a:lvl5pPr marL="1371600" indent="0">
+              <a:buNone/>
+              <a:defRPr sz="750"/>
             </a:lvl5pPr>
-            <a:lvl6pPr marL="2286000" indent="0">
-              <a:buNone/>
-              <a:defRPr sz="1000"/>
+            <a:lvl6pPr marL="1714500" indent="0">
+              <a:buNone/>
+              <a:defRPr sz="750"/>
             </a:lvl6pPr>
-            <a:lvl7pPr marL="2743200" indent="0">
-              <a:buNone/>
-              <a:defRPr sz="1000"/>
+            <a:lvl7pPr marL="2057400" indent="0">
+              <a:buNone/>
+              <a:defRPr sz="750"/>
             </a:lvl7pPr>
-            <a:lvl8pPr marL="3200400" indent="0">
-              <a:buNone/>
-              <a:defRPr sz="1000"/>
+            <a:lvl8pPr marL="2400300" indent="0">
+              <a:buNone/>
+              <a:defRPr sz="750"/>
             </a:lvl8pPr>
-            <a:lvl9pPr marL="3657600" indent="0">
-              <a:buNone/>
-              <a:defRPr sz="1000"/>
+            <a:lvl9pPr marL="2743200" indent="0">
+              <a:buNone/>
+              <a:defRPr sz="750"/>
             </a:lvl9pPr>
           </a:lstStyle>
           <a:p>
@@ -2642,13 +2335,7 @@
       </p:sp>
       <p:sp>
         <p:nvSpPr>
-          <p:cNvPr id="5" name="Date Placeholder 4">
-            <a:extLst>
-              <a:ext uri="{FF2B5EF4-FFF2-40B4-BE49-F238E27FC236}">
-                <a16:creationId xmlns:a16="http://schemas.microsoft.com/office/drawing/2014/main" id="{6CD8C045-C3D3-6E57-7265-99880A814702}"/>
-              </a:ext>
-            </a:extLst>
-          </p:cNvPr>
+          <p:cNvPr id="5" name="Date Placeholder 4"/>
           <p:cNvSpPr>
             <a:spLocks noGrp="1"/>
           </p:cNvSpPr>
@@ -2671,13 +2358,7 @@
       </p:sp>
       <p:sp>
         <p:nvSpPr>
-          <p:cNvPr id="6" name="Footer Placeholder 5">
-            <a:extLst>
-              <a:ext uri="{FF2B5EF4-FFF2-40B4-BE49-F238E27FC236}">
-                <a16:creationId xmlns:a16="http://schemas.microsoft.com/office/drawing/2014/main" id="{B2E5B20D-8BF6-E366-6549-09EDCA804183}"/>
-              </a:ext>
-            </a:extLst>
-          </p:cNvPr>
+          <p:cNvPr id="6" name="Footer Placeholder 5"/>
           <p:cNvSpPr>
             <a:spLocks noGrp="1"/>
           </p:cNvSpPr>
@@ -2696,13 +2377,7 @@
       </p:sp>
       <p:sp>
         <p:nvSpPr>
-          <p:cNvPr id="7" name="Slide Number Placeholder 6">
-            <a:extLst>
-              <a:ext uri="{FF2B5EF4-FFF2-40B4-BE49-F238E27FC236}">
-                <a16:creationId xmlns:a16="http://schemas.microsoft.com/office/drawing/2014/main" id="{AB5BADAF-F016-CA80-D7F8-FC13EBA041F4}"/>
-              </a:ext>
-            </a:extLst>
-          </p:cNvPr>
+          <p:cNvPr id="7" name="Slide Number Placeholder 6"/>
           <p:cNvSpPr>
             <a:spLocks noGrp="1"/>
           </p:cNvSpPr>
@@ -2726,7 +2401,7 @@
     </p:spTree>
     <p:extLst>
       <p:ext uri="{BB962C8B-B14F-4D97-AF65-F5344CB8AC3E}">
-        <p14:creationId xmlns:p14="http://schemas.microsoft.com/office/powerpoint/2010/main" val="3694149582"/>
+        <p14:creationId xmlns:p14="http://schemas.microsoft.com/office/powerpoint/2010/main" val="1969191645"/>
       </p:ext>
     </p:extLst>
   </p:cSld>
@@ -2760,13 +2435,7 @@
       </p:grpSpPr>
       <p:sp>
         <p:nvSpPr>
-          <p:cNvPr id="2" name="Title Placeholder 1">
-            <a:extLst>
-              <a:ext uri="{FF2B5EF4-FFF2-40B4-BE49-F238E27FC236}">
-                <a16:creationId xmlns:a16="http://schemas.microsoft.com/office/drawing/2014/main" id="{A3ED50CD-AD5D-012E-A11D-CE00A6BE394E}"/>
-              </a:ext>
-            </a:extLst>
-          </p:cNvPr>
+          <p:cNvPr id="2" name="Title Placeholder 1"/>
           <p:cNvSpPr>
             <a:spLocks noGrp="1"/>
           </p:cNvSpPr>
@@ -2776,8 +2445,8 @@
         </p:nvSpPr>
         <p:spPr>
           <a:xfrm>
-            <a:off x="838200" y="365125"/>
-            <a:ext cx="10515600" cy="1325563"/>
+            <a:off x="471488" y="632464"/>
+            <a:ext cx="5915025" cy="2296108"/>
           </a:xfrm>
           <a:prstGeom prst="rect">
             <a:avLst/>
@@ -2793,18 +2462,13 @@
               <a:rPr lang="en-GB"/>
               <a:t>Click to edit Master title style</a:t>
             </a:r>
-          </a:p>
-        </p:txBody>
-      </p:sp>
-      <p:sp>
-        <p:nvSpPr>
-          <p:cNvPr id="3" name="Text Placeholder 2">
-            <a:extLst>
-              <a:ext uri="{FF2B5EF4-FFF2-40B4-BE49-F238E27FC236}">
-                <a16:creationId xmlns:a16="http://schemas.microsoft.com/office/drawing/2014/main" id="{6DCB2705-9092-08C5-6163-9363023F826A}"/>
-              </a:ext>
-            </a:extLst>
-          </p:cNvPr>
+            <a:endParaRPr lang="en-US" dirty="0"/>
+          </a:p>
+        </p:txBody>
+      </p:sp>
+      <p:sp>
+        <p:nvSpPr>
+          <p:cNvPr id="3" name="Text Placeholder 2"/>
           <p:cNvSpPr>
             <a:spLocks noGrp="1"/>
           </p:cNvSpPr>
@@ -2814,8 +2478,8 @@
         </p:nvSpPr>
         <p:spPr>
           <a:xfrm>
-            <a:off x="838200" y="1825625"/>
-            <a:ext cx="10515600" cy="4351338"/>
+            <a:off x="471488" y="3162304"/>
+            <a:ext cx="5915025" cy="7537283"/>
           </a:xfrm>
           <a:prstGeom prst="rect">
             <a:avLst/>
@@ -2860,18 +2524,13 @@
               <a:rPr lang="en-GB"/>
               <a:t>Fifth level</a:t>
             </a:r>
-          </a:p>
-        </p:txBody>
-      </p:sp>
-      <p:sp>
-        <p:nvSpPr>
-          <p:cNvPr id="4" name="Date Placeholder 3">
-            <a:extLst>
-              <a:ext uri="{FF2B5EF4-FFF2-40B4-BE49-F238E27FC236}">
-                <a16:creationId xmlns:a16="http://schemas.microsoft.com/office/drawing/2014/main" id="{6F17900A-905C-B8DE-77D8-A362645DEB65}"/>
-              </a:ext>
-            </a:extLst>
-          </p:cNvPr>
+            <a:endParaRPr lang="en-US" dirty="0"/>
+          </a:p>
+        </p:txBody>
+      </p:sp>
+      <p:sp>
+        <p:nvSpPr>
+          <p:cNvPr id="4" name="Date Placeholder 3"/>
           <p:cNvSpPr>
             <a:spLocks noGrp="1"/>
           </p:cNvSpPr>
@@ -2881,8 +2540,8 @@
         </p:nvSpPr>
         <p:spPr>
           <a:xfrm>
-            <a:off x="838200" y="6356350"/>
-            <a:ext cx="2743200" cy="365125"/>
+            <a:off x="471487" y="11010319"/>
+            <a:ext cx="1543050" cy="632461"/>
           </a:xfrm>
           <a:prstGeom prst="rect">
             <a:avLst/>
@@ -2892,7 +2551,7 @@
           <a:bodyPr vert="horz" lIns="91440" tIns="45720" rIns="91440" bIns="45720" rtlCol="0" anchor="ctr"/>
           <a:lstStyle>
             <a:lvl1pPr algn="l">
-              <a:defRPr sz="1200">
+              <a:defRPr sz="900">
                 <a:solidFill>
                   <a:schemeClr val="tx1">
                     <a:tint val="82000"/>
@@ -2912,13 +2571,7 @@
       </p:sp>
       <p:sp>
         <p:nvSpPr>
-          <p:cNvPr id="5" name="Footer Placeholder 4">
-            <a:extLst>
-              <a:ext uri="{FF2B5EF4-FFF2-40B4-BE49-F238E27FC236}">
-                <a16:creationId xmlns:a16="http://schemas.microsoft.com/office/drawing/2014/main" id="{CFC7342F-1110-A158-3303-4D16FBAAD65F}"/>
-              </a:ext>
-            </a:extLst>
-          </p:cNvPr>
+          <p:cNvPr id="5" name="Footer Placeholder 4"/>
           <p:cNvSpPr>
             <a:spLocks noGrp="1"/>
           </p:cNvSpPr>
@@ -2928,8 +2581,8 @@
         </p:nvSpPr>
         <p:spPr>
           <a:xfrm>
-            <a:off x="4038600" y="6356350"/>
-            <a:ext cx="4114800" cy="365125"/>
+            <a:off x="2271713" y="11010319"/>
+            <a:ext cx="2314575" cy="632461"/>
           </a:xfrm>
           <a:prstGeom prst="rect">
             <a:avLst/>
@@ -2939,7 +2592,7 @@
           <a:bodyPr vert="horz" lIns="91440" tIns="45720" rIns="91440" bIns="45720" rtlCol="0" anchor="ctr"/>
           <a:lstStyle>
             <a:lvl1pPr algn="ctr">
-              <a:defRPr sz="1200">
+              <a:defRPr sz="900">
                 <a:solidFill>
                   <a:schemeClr val="tx1">
                     <a:tint val="82000"/>
@@ -2955,13 +2608,7 @@
       </p:sp>
       <p:sp>
         <p:nvSpPr>
-          <p:cNvPr id="6" name="Slide Number Placeholder 5">
-            <a:extLst>
-              <a:ext uri="{FF2B5EF4-FFF2-40B4-BE49-F238E27FC236}">
-                <a16:creationId xmlns:a16="http://schemas.microsoft.com/office/drawing/2014/main" id="{B5D2C104-C5FD-7B40-BDCD-CFA08ED54905}"/>
-              </a:ext>
-            </a:extLst>
-          </p:cNvPr>
+          <p:cNvPr id="6" name="Slide Number Placeholder 5"/>
           <p:cNvSpPr>
             <a:spLocks noGrp="1"/>
           </p:cNvSpPr>
@@ -2971,8 +2618,8 @@
         </p:nvSpPr>
         <p:spPr>
           <a:xfrm>
-            <a:off x="8610600" y="6356350"/>
-            <a:ext cx="2743200" cy="365125"/>
+            <a:off x="4843463" y="11010319"/>
+            <a:ext cx="1543050" cy="632461"/>
           </a:xfrm>
           <a:prstGeom prst="rect">
             <a:avLst/>
@@ -2982,7 +2629,7 @@
           <a:bodyPr vert="horz" lIns="91440" tIns="45720" rIns="91440" bIns="45720" rtlCol="0" anchor="ctr"/>
           <a:lstStyle>
             <a:lvl1pPr algn="r">
-              <a:defRPr sz="1200">
+              <a:defRPr sz="900">
                 <a:solidFill>
                   <a:schemeClr val="tx1">
                     <a:tint val="82000"/>
@@ -3003,27 +2650,27 @@
     </p:spTree>
     <p:extLst>
       <p:ext uri="{BB962C8B-B14F-4D97-AF65-F5344CB8AC3E}">
-        <p14:creationId xmlns:p14="http://schemas.microsoft.com/office/powerpoint/2010/main" val="3848025372"/>
+        <p14:creationId xmlns:p14="http://schemas.microsoft.com/office/powerpoint/2010/main" val="1240041161"/>
       </p:ext>
     </p:extLst>
   </p:cSld>
   <p:clrMap bg1="lt1" tx1="dk1" bg2="lt2" tx2="dk2" accent1="accent1" accent2="accent2" accent3="accent3" accent4="accent4" accent5="accent5" accent6="accent6" hlink="hlink" folHlink="folHlink"/>
   <p:sldLayoutIdLst>
-    <p:sldLayoutId id="2147483649" r:id="rId1"/>
-    <p:sldLayoutId id="2147483650" r:id="rId2"/>
-    <p:sldLayoutId id="2147483651" r:id="rId3"/>
-    <p:sldLayoutId id="2147483652" r:id="rId4"/>
-    <p:sldLayoutId id="2147483653" r:id="rId5"/>
-    <p:sldLayoutId id="2147483654" r:id="rId6"/>
-    <p:sldLayoutId id="2147483655" r:id="rId7"/>
-    <p:sldLayoutId id="2147483656" r:id="rId8"/>
-    <p:sldLayoutId id="2147483657" r:id="rId9"/>
-    <p:sldLayoutId id="2147483658" r:id="rId10"/>
-    <p:sldLayoutId id="2147483659" r:id="rId11"/>
+    <p:sldLayoutId id="2147483661" r:id="rId1"/>
+    <p:sldLayoutId id="2147483662" r:id="rId2"/>
+    <p:sldLayoutId id="2147483663" r:id="rId3"/>
+    <p:sldLayoutId id="2147483664" r:id="rId4"/>
+    <p:sldLayoutId id="2147483665" r:id="rId5"/>
+    <p:sldLayoutId id="2147483666" r:id="rId6"/>
+    <p:sldLayoutId id="2147483667" r:id="rId7"/>
+    <p:sldLayoutId id="2147483668" r:id="rId8"/>
+    <p:sldLayoutId id="2147483669" r:id="rId9"/>
+    <p:sldLayoutId id="2147483670" r:id="rId10"/>
+    <p:sldLayoutId id="2147483671" r:id="rId11"/>
   </p:sldLayoutIdLst>
   <p:txStyles>
     <p:titleStyle>
-      <a:lvl1pPr algn="l" defTabSz="914400" rtl="0" eaLnBrk="1" latinLnBrk="0" hangingPunct="1">
+      <a:lvl1pPr algn="l" defTabSz="685800" rtl="0" eaLnBrk="1" latinLnBrk="0" hangingPunct="1">
         <a:lnSpc>
           <a:spcPct val="90000"/>
         </a:lnSpc>
@@ -3031,7 +2678,7 @@
           <a:spcPct val="0"/>
         </a:spcBef>
         <a:buNone/>
-        <a:defRPr sz="4400" kern="1200">
+        <a:defRPr sz="3300" kern="1200">
           <a:solidFill>
             <a:schemeClr val="tx1"/>
           </a:solidFill>
@@ -3042,16 +2689,16 @@
       </a:lvl1pPr>
     </p:titleStyle>
     <p:bodyStyle>
-      <a:lvl1pPr marL="228600" indent="-228600" algn="l" defTabSz="914400" rtl="0" eaLnBrk="1" latinLnBrk="0" hangingPunct="1">
+      <a:lvl1pPr marL="171450" indent="-171450" algn="l" defTabSz="685800" rtl="0" eaLnBrk="1" latinLnBrk="0" hangingPunct="1">
         <a:lnSpc>
           <a:spcPct val="90000"/>
         </a:lnSpc>
         <a:spcBef>
-          <a:spcPts val="1000"/>
+          <a:spcPts val="750"/>
         </a:spcBef>
         <a:buFont typeface="Arial" panose="020B0604020202020204" pitchFamily="34" charset="0"/>
         <a:buChar char="•"/>
-        <a:defRPr sz="2800" kern="1200">
+        <a:defRPr sz="2100" kern="1200">
           <a:solidFill>
             <a:schemeClr val="tx1"/>
           </a:solidFill>
@@ -3060,48 +2707,12 @@
           <a:cs typeface="+mn-cs"/>
         </a:defRPr>
       </a:lvl1pPr>
-      <a:lvl2pPr marL="685800" indent="-228600" algn="l" defTabSz="914400" rtl="0" eaLnBrk="1" latinLnBrk="0" hangingPunct="1">
+      <a:lvl2pPr marL="514350" indent="-171450" algn="l" defTabSz="685800" rtl="0" eaLnBrk="1" latinLnBrk="0" hangingPunct="1">
         <a:lnSpc>
           <a:spcPct val="90000"/>
         </a:lnSpc>
         <a:spcBef>
-          <a:spcPts val="500"/>
-        </a:spcBef>
-        <a:buFont typeface="Arial" panose="020B0604020202020204" pitchFamily="34" charset="0"/>
-        <a:buChar char="•"/>
-        <a:defRPr sz="2400" kern="1200">
-          <a:solidFill>
-            <a:schemeClr val="tx1"/>
-          </a:solidFill>
-          <a:latin typeface="+mn-lt"/>
-          <a:ea typeface="+mn-ea"/>
-          <a:cs typeface="+mn-cs"/>
-        </a:defRPr>
-      </a:lvl2pPr>
-      <a:lvl3pPr marL="1143000" indent="-228600" algn="l" defTabSz="914400" rtl="0" eaLnBrk="1" latinLnBrk="0" hangingPunct="1">
-        <a:lnSpc>
-          <a:spcPct val="90000"/>
-        </a:lnSpc>
-        <a:spcBef>
-          <a:spcPts val="500"/>
-        </a:spcBef>
-        <a:buFont typeface="Arial" panose="020B0604020202020204" pitchFamily="34" charset="0"/>
-        <a:buChar char="•"/>
-        <a:defRPr sz="2000" kern="1200">
-          <a:solidFill>
-            <a:schemeClr val="tx1"/>
-          </a:solidFill>
-          <a:latin typeface="+mn-lt"/>
-          <a:ea typeface="+mn-ea"/>
-          <a:cs typeface="+mn-cs"/>
-        </a:defRPr>
-      </a:lvl3pPr>
-      <a:lvl4pPr marL="1600200" indent="-228600" algn="l" defTabSz="914400" rtl="0" eaLnBrk="1" latinLnBrk="0" hangingPunct="1">
-        <a:lnSpc>
-          <a:spcPct val="90000"/>
-        </a:lnSpc>
-        <a:spcBef>
-          <a:spcPts val="500"/>
+          <a:spcPts val="375"/>
         </a:spcBef>
         <a:buFont typeface="Arial" panose="020B0604020202020204" pitchFamily="34" charset="0"/>
         <a:buChar char="•"/>
@@ -3113,17 +2724,53 @@
           <a:ea typeface="+mn-ea"/>
           <a:cs typeface="+mn-cs"/>
         </a:defRPr>
-      </a:lvl4pPr>
-      <a:lvl5pPr marL="2057400" indent="-228600" algn="l" defTabSz="914400" rtl="0" eaLnBrk="1" latinLnBrk="0" hangingPunct="1">
+      </a:lvl2pPr>
+      <a:lvl3pPr marL="857250" indent="-171450" algn="l" defTabSz="685800" rtl="0" eaLnBrk="1" latinLnBrk="0" hangingPunct="1">
         <a:lnSpc>
           <a:spcPct val="90000"/>
         </a:lnSpc>
         <a:spcBef>
-          <a:spcPts val="500"/>
+          <a:spcPts val="375"/>
         </a:spcBef>
         <a:buFont typeface="Arial" panose="020B0604020202020204" pitchFamily="34" charset="0"/>
         <a:buChar char="•"/>
-        <a:defRPr sz="1800" kern="1200">
+        <a:defRPr sz="1500" kern="1200">
+          <a:solidFill>
+            <a:schemeClr val="tx1"/>
+          </a:solidFill>
+          <a:latin typeface="+mn-lt"/>
+          <a:ea typeface="+mn-ea"/>
+          <a:cs typeface="+mn-cs"/>
+        </a:defRPr>
+      </a:lvl3pPr>
+      <a:lvl4pPr marL="1200150" indent="-171450" algn="l" defTabSz="685800" rtl="0" eaLnBrk="1" latinLnBrk="0" hangingPunct="1">
+        <a:lnSpc>
+          <a:spcPct val="90000"/>
+        </a:lnSpc>
+        <a:spcBef>
+          <a:spcPts val="375"/>
+        </a:spcBef>
+        <a:buFont typeface="Arial" panose="020B0604020202020204" pitchFamily="34" charset="0"/>
+        <a:buChar char="•"/>
+        <a:defRPr sz="1350" kern="1200">
+          <a:solidFill>
+            <a:schemeClr val="tx1"/>
+          </a:solidFill>
+          <a:latin typeface="+mn-lt"/>
+          <a:ea typeface="+mn-ea"/>
+          <a:cs typeface="+mn-cs"/>
+        </a:defRPr>
+      </a:lvl4pPr>
+      <a:lvl5pPr marL="1543050" indent="-171450" algn="l" defTabSz="685800" rtl="0" eaLnBrk="1" latinLnBrk="0" hangingPunct="1">
+        <a:lnSpc>
+          <a:spcPct val="90000"/>
+        </a:lnSpc>
+        <a:spcBef>
+          <a:spcPts val="375"/>
+        </a:spcBef>
+        <a:buFont typeface="Arial" panose="020B0604020202020204" pitchFamily="34" charset="0"/>
+        <a:buChar char="•"/>
+        <a:defRPr sz="1350" kern="1200">
           <a:solidFill>
             <a:schemeClr val="tx1"/>
           </a:solidFill>
@@ -3132,16 +2779,16 @@
           <a:cs typeface="+mn-cs"/>
         </a:defRPr>
       </a:lvl5pPr>
-      <a:lvl6pPr marL="2514600" indent="-228600" algn="l" defTabSz="914400" rtl="0" eaLnBrk="1" latinLnBrk="0" hangingPunct="1">
+      <a:lvl6pPr marL="1885950" indent="-171450" algn="l" defTabSz="685800" rtl="0" eaLnBrk="1" latinLnBrk="0" hangingPunct="1">
         <a:lnSpc>
           <a:spcPct val="90000"/>
         </a:lnSpc>
         <a:spcBef>
-          <a:spcPts val="500"/>
+          <a:spcPts val="375"/>
         </a:spcBef>
         <a:buFont typeface="Arial" panose="020B0604020202020204" pitchFamily="34" charset="0"/>
         <a:buChar char="•"/>
-        <a:defRPr sz="1800" kern="1200">
+        <a:defRPr sz="1350" kern="1200">
           <a:solidFill>
             <a:schemeClr val="tx1"/>
           </a:solidFill>
@@ -3150,16 +2797,16 @@
           <a:cs typeface="+mn-cs"/>
         </a:defRPr>
       </a:lvl6pPr>
-      <a:lvl7pPr marL="2971800" indent="-228600" algn="l" defTabSz="914400" rtl="0" eaLnBrk="1" latinLnBrk="0" hangingPunct="1">
+      <a:lvl7pPr marL="2228850" indent="-171450" algn="l" defTabSz="685800" rtl="0" eaLnBrk="1" latinLnBrk="0" hangingPunct="1">
         <a:lnSpc>
           <a:spcPct val="90000"/>
         </a:lnSpc>
         <a:spcBef>
-          <a:spcPts val="500"/>
+          <a:spcPts val="375"/>
         </a:spcBef>
         <a:buFont typeface="Arial" panose="020B0604020202020204" pitchFamily="34" charset="0"/>
         <a:buChar char="•"/>
-        <a:defRPr sz="1800" kern="1200">
+        <a:defRPr sz="1350" kern="1200">
           <a:solidFill>
             <a:schemeClr val="tx1"/>
           </a:solidFill>
@@ -3168,16 +2815,16 @@
           <a:cs typeface="+mn-cs"/>
         </a:defRPr>
       </a:lvl7pPr>
-      <a:lvl8pPr marL="3429000" indent="-228600" algn="l" defTabSz="914400" rtl="0" eaLnBrk="1" latinLnBrk="0" hangingPunct="1">
+      <a:lvl8pPr marL="2571750" indent="-171450" algn="l" defTabSz="685800" rtl="0" eaLnBrk="1" latinLnBrk="0" hangingPunct="1">
         <a:lnSpc>
           <a:spcPct val="90000"/>
         </a:lnSpc>
         <a:spcBef>
-          <a:spcPts val="500"/>
+          <a:spcPts val="375"/>
         </a:spcBef>
         <a:buFont typeface="Arial" panose="020B0604020202020204" pitchFamily="34" charset="0"/>
         <a:buChar char="•"/>
-        <a:defRPr sz="1800" kern="1200">
+        <a:defRPr sz="1350" kern="1200">
           <a:solidFill>
             <a:schemeClr val="tx1"/>
           </a:solidFill>
@@ -3186,16 +2833,16 @@
           <a:cs typeface="+mn-cs"/>
         </a:defRPr>
       </a:lvl8pPr>
-      <a:lvl9pPr marL="3886200" indent="-228600" algn="l" defTabSz="914400" rtl="0" eaLnBrk="1" latinLnBrk="0" hangingPunct="1">
+      <a:lvl9pPr marL="2914650" indent="-171450" algn="l" defTabSz="685800" rtl="0" eaLnBrk="1" latinLnBrk="0" hangingPunct="1">
         <a:lnSpc>
           <a:spcPct val="90000"/>
         </a:lnSpc>
         <a:spcBef>
-          <a:spcPts val="500"/>
+          <a:spcPts val="375"/>
         </a:spcBef>
         <a:buFont typeface="Arial" panose="020B0604020202020204" pitchFamily="34" charset="0"/>
         <a:buChar char="•"/>
-        <a:defRPr sz="1800" kern="1200">
+        <a:defRPr sz="1350" kern="1200">
           <a:solidFill>
             <a:schemeClr val="tx1"/>
           </a:solidFill>
@@ -3209,8 +2856,8 @@
       <a:defPPr>
         <a:defRPr lang="en-US"/>
       </a:defPPr>
-      <a:lvl1pPr marL="0" algn="l" defTabSz="914400" rtl="0" eaLnBrk="1" latinLnBrk="0" hangingPunct="1">
-        <a:defRPr sz="1800" kern="1200">
+      <a:lvl1pPr marL="0" algn="l" defTabSz="685800" rtl="0" eaLnBrk="1" latinLnBrk="0" hangingPunct="1">
+        <a:defRPr sz="1350" kern="1200">
           <a:solidFill>
             <a:schemeClr val="tx1"/>
           </a:solidFill>
@@ -3219,8 +2866,8 @@
           <a:cs typeface="+mn-cs"/>
         </a:defRPr>
       </a:lvl1pPr>
-      <a:lvl2pPr marL="457200" algn="l" defTabSz="914400" rtl="0" eaLnBrk="1" latinLnBrk="0" hangingPunct="1">
-        <a:defRPr sz="1800" kern="1200">
+      <a:lvl2pPr marL="342900" algn="l" defTabSz="685800" rtl="0" eaLnBrk="1" latinLnBrk="0" hangingPunct="1">
+        <a:defRPr sz="1350" kern="1200">
           <a:solidFill>
             <a:schemeClr val="tx1"/>
           </a:solidFill>
@@ -3229,8 +2876,8 @@
           <a:cs typeface="+mn-cs"/>
         </a:defRPr>
       </a:lvl2pPr>
-      <a:lvl3pPr marL="914400" algn="l" defTabSz="914400" rtl="0" eaLnBrk="1" latinLnBrk="0" hangingPunct="1">
-        <a:defRPr sz="1800" kern="1200">
+      <a:lvl3pPr marL="685800" algn="l" defTabSz="685800" rtl="0" eaLnBrk="1" latinLnBrk="0" hangingPunct="1">
+        <a:defRPr sz="1350" kern="1200">
           <a:solidFill>
             <a:schemeClr val="tx1"/>
           </a:solidFill>
@@ -3239,8 +2886,8 @@
           <a:cs typeface="+mn-cs"/>
         </a:defRPr>
       </a:lvl3pPr>
-      <a:lvl4pPr marL="1371600" algn="l" defTabSz="914400" rtl="0" eaLnBrk="1" latinLnBrk="0" hangingPunct="1">
-        <a:defRPr sz="1800" kern="1200">
+      <a:lvl4pPr marL="1028700" algn="l" defTabSz="685800" rtl="0" eaLnBrk="1" latinLnBrk="0" hangingPunct="1">
+        <a:defRPr sz="1350" kern="1200">
           <a:solidFill>
             <a:schemeClr val="tx1"/>
           </a:solidFill>
@@ -3249,8 +2896,8 @@
           <a:cs typeface="+mn-cs"/>
         </a:defRPr>
       </a:lvl4pPr>
-      <a:lvl5pPr marL="1828800" algn="l" defTabSz="914400" rtl="0" eaLnBrk="1" latinLnBrk="0" hangingPunct="1">
-        <a:defRPr sz="1800" kern="1200">
+      <a:lvl5pPr marL="1371600" algn="l" defTabSz="685800" rtl="0" eaLnBrk="1" latinLnBrk="0" hangingPunct="1">
+        <a:defRPr sz="1350" kern="1200">
           <a:solidFill>
             <a:schemeClr val="tx1"/>
           </a:solidFill>
@@ -3259,8 +2906,8 @@
           <a:cs typeface="+mn-cs"/>
         </a:defRPr>
       </a:lvl5pPr>
-      <a:lvl6pPr marL="2286000" algn="l" defTabSz="914400" rtl="0" eaLnBrk="1" latinLnBrk="0" hangingPunct="1">
-        <a:defRPr sz="1800" kern="1200">
+      <a:lvl6pPr marL="1714500" algn="l" defTabSz="685800" rtl="0" eaLnBrk="1" latinLnBrk="0" hangingPunct="1">
+        <a:defRPr sz="1350" kern="1200">
           <a:solidFill>
             <a:schemeClr val="tx1"/>
           </a:solidFill>
@@ -3269,8 +2916,8 @@
           <a:cs typeface="+mn-cs"/>
         </a:defRPr>
       </a:lvl6pPr>
-      <a:lvl7pPr marL="2743200" algn="l" defTabSz="914400" rtl="0" eaLnBrk="1" latinLnBrk="0" hangingPunct="1">
-        <a:defRPr sz="1800" kern="1200">
+      <a:lvl7pPr marL="2057400" algn="l" defTabSz="685800" rtl="0" eaLnBrk="1" latinLnBrk="0" hangingPunct="1">
+        <a:defRPr sz="1350" kern="1200">
           <a:solidFill>
             <a:schemeClr val="tx1"/>
           </a:solidFill>
@@ -3279,8 +2926,8 @@
           <a:cs typeface="+mn-cs"/>
         </a:defRPr>
       </a:lvl7pPr>
-      <a:lvl8pPr marL="3200400" algn="l" defTabSz="914400" rtl="0" eaLnBrk="1" latinLnBrk="0" hangingPunct="1">
-        <a:defRPr sz="1800" kern="1200">
+      <a:lvl8pPr marL="2400300" algn="l" defTabSz="685800" rtl="0" eaLnBrk="1" latinLnBrk="0" hangingPunct="1">
+        <a:defRPr sz="1350" kern="1200">
           <a:solidFill>
             <a:schemeClr val="tx1"/>
           </a:solidFill>
@@ -3289,8 +2936,8 @@
           <a:cs typeface="+mn-cs"/>
         </a:defRPr>
       </a:lvl8pPr>
-      <a:lvl9pPr marL="3657600" algn="l" defTabSz="914400" rtl="0" eaLnBrk="1" latinLnBrk="0" hangingPunct="1">
-        <a:defRPr sz="1800" kern="1200">
+      <a:lvl9pPr marL="2743200" algn="l" defTabSz="685800" rtl="0" eaLnBrk="1" latinLnBrk="0" hangingPunct="1">
+        <a:defRPr sz="1350" kern="1200">
           <a:solidFill>
             <a:schemeClr val="tx1"/>
           </a:solidFill>
@@ -3321,151 +2968,172 @@
           <a:chExt cx="0" cy="0"/>
         </a:xfrm>
       </p:grpSpPr>
-      <p:pic>
-        <p:nvPicPr>
-          <p:cNvPr id="5" name="Picture 4" descr="A person swinging a baseball bat&#10;&#10;AI-generated content may be incorrect.">
+      <p:grpSp>
+        <p:nvGrpSpPr>
+          <p:cNvPr id="14" name="Group 13">
             <a:extLst>
               <a:ext uri="{FF2B5EF4-FFF2-40B4-BE49-F238E27FC236}">
-                <a16:creationId xmlns:a16="http://schemas.microsoft.com/office/drawing/2014/main" id="{859494CC-0422-7C61-0F3B-083A1532AD38}"/>
+                <a16:creationId xmlns:a16="http://schemas.microsoft.com/office/drawing/2014/main" id="{DE6EB75A-77BE-C6C2-EBFE-4198EDC16E0A}"/>
               </a:ext>
             </a:extLst>
           </p:cNvPr>
-          <p:cNvPicPr>
-            <a:picLocks noChangeAspect="1"/>
-          </p:cNvPicPr>
+          <p:cNvGrpSpPr/>
           <p:nvPr/>
-        </p:nvPicPr>
-        <p:blipFill>
-          <a:blip r:embed="rId2"/>
-          <a:srcRect l="2359" t="13903" r="2319" b="9254"/>
-          <a:stretch/>
-        </p:blipFill>
-        <p:spPr>
+        </p:nvGrpSpPr>
+        <p:grpSpPr>
           <a:xfrm>
-            <a:off x="4288221" y="55181"/>
-            <a:ext cx="3799489" cy="6645166"/>
+            <a:off x="0" y="0"/>
+            <a:ext cx="6858000" cy="11994391"/>
+            <a:chOff x="4288221" y="55181"/>
+            <a:chExt cx="3799489" cy="6645167"/>
           </a:xfrm>
-          <a:prstGeom prst="rect">
-            <a:avLst/>
-          </a:prstGeom>
-        </p:spPr>
-      </p:pic>
-      <p:sp>
-        <p:nvSpPr>
-          <p:cNvPr id="6" name="Rectangle 5">
-            <a:extLst>
-              <a:ext uri="{FF2B5EF4-FFF2-40B4-BE49-F238E27FC236}">
-                <a16:creationId xmlns:a16="http://schemas.microsoft.com/office/drawing/2014/main" id="{DE7AAD92-1CAE-B178-F89A-A8249E1ECB72}"/>
-              </a:ext>
-            </a:extLst>
-          </p:cNvPr>
-          <p:cNvSpPr/>
-          <p:nvPr/>
-        </p:nvSpPr>
-        <p:spPr>
-          <a:xfrm>
-            <a:off x="4288222" y="55182"/>
-            <a:ext cx="3799488" cy="6645166"/>
-          </a:xfrm>
-          <a:prstGeom prst="rect">
-            <a:avLst/>
-          </a:prstGeom>
-          <a:solidFill>
-            <a:schemeClr val="bg1">
-              <a:alpha val="73968"/>
-            </a:schemeClr>
-          </a:solidFill>
-          <a:ln>
+        </p:grpSpPr>
+        <p:pic>
+          <p:nvPicPr>
+            <p:cNvPr id="10" name="Picture 9" descr="A person swinging a baseball bat&#10;&#10;AI-generated content may be incorrect.">
+              <a:extLst>
+                <a:ext uri="{FF2B5EF4-FFF2-40B4-BE49-F238E27FC236}">
+                  <a16:creationId xmlns:a16="http://schemas.microsoft.com/office/drawing/2014/main" id="{2E9CF82F-5783-EB06-26B5-A60D1B9B5E3E}"/>
+                </a:ext>
+              </a:extLst>
+            </p:cNvPr>
+            <p:cNvPicPr>
+              <a:picLocks noChangeAspect="1"/>
+            </p:cNvPicPr>
+            <p:nvPr/>
+          </p:nvPicPr>
+          <p:blipFill>
+            <a:blip r:embed="rId2"/>
+            <a:srcRect l="2359" t="13903" r="2319" b="9254"/>
+            <a:stretch/>
+          </p:blipFill>
+          <p:spPr>
+            <a:xfrm>
+              <a:off x="4288221" y="55181"/>
+              <a:ext cx="3799489" cy="6645166"/>
+            </a:xfrm>
+            <a:prstGeom prst="rect">
+              <a:avLst/>
+            </a:prstGeom>
+          </p:spPr>
+        </p:pic>
+        <p:sp>
+          <p:nvSpPr>
+            <p:cNvPr id="11" name="Rectangle 10">
+              <a:extLst>
+                <a:ext uri="{FF2B5EF4-FFF2-40B4-BE49-F238E27FC236}">
+                  <a16:creationId xmlns:a16="http://schemas.microsoft.com/office/drawing/2014/main" id="{CE291ED9-DF3B-90C3-98A8-BAB20FA99121}"/>
+                </a:ext>
+              </a:extLst>
+            </p:cNvPr>
+            <p:cNvSpPr/>
+            <p:nvPr/>
+          </p:nvSpPr>
+          <p:spPr>
+            <a:xfrm>
+              <a:off x="4288222" y="55182"/>
+              <a:ext cx="3799488" cy="6645166"/>
+            </a:xfrm>
+            <a:prstGeom prst="rect">
+              <a:avLst/>
+            </a:prstGeom>
             <a:solidFill>
-              <a:schemeClr val="bg1"/>
+              <a:schemeClr val="bg1">
+                <a:alpha val="73968"/>
+              </a:schemeClr>
             </a:solidFill>
-          </a:ln>
-        </p:spPr>
-        <p:style>
-          <a:lnRef idx="2">
-            <a:schemeClr val="accent1">
-              <a:shade val="15000"/>
-            </a:schemeClr>
-          </a:lnRef>
-          <a:fillRef idx="1">
-            <a:schemeClr val="accent1"/>
-          </a:fillRef>
-          <a:effectRef idx="0">
-            <a:schemeClr val="accent1"/>
-          </a:effectRef>
-          <a:fontRef idx="minor">
-            <a:schemeClr val="lt1"/>
-          </a:fontRef>
-        </p:style>
-        <p:txBody>
-          <a:bodyPr rtlCol="0" anchor="ctr"/>
-          <a:lstStyle/>
-          <a:p>
-            <a:pPr algn="ctr"/>
-            <a:endParaRPr lang="en-GB"/>
-          </a:p>
-        </p:txBody>
-      </p:sp>
-      <p:pic>
-        <p:nvPicPr>
-          <p:cNvPr id="8" name="Picture 7" descr="A black chevron with a black background&#10;&#10;AI-generated content may be incorrect.">
-            <a:extLst>
-              <a:ext uri="{FF2B5EF4-FFF2-40B4-BE49-F238E27FC236}">
-                <a16:creationId xmlns:a16="http://schemas.microsoft.com/office/drawing/2014/main" id="{BE420406-43F4-EA54-C2DE-F5CB66ABF9C4}"/>
-              </a:ext>
-            </a:extLst>
-          </p:cNvPr>
-          <p:cNvPicPr>
-            <a:picLocks noChangeAspect="1"/>
-          </p:cNvPicPr>
-          <p:nvPr/>
-        </p:nvPicPr>
-        <p:blipFill>
-          <a:blip r:embed="rId3"/>
-          <a:stretch>
-            <a:fillRect/>
-          </a:stretch>
-        </p:blipFill>
-        <p:spPr>
-          <a:xfrm>
-            <a:off x="5640597" y="5403240"/>
-            <a:ext cx="1160055" cy="1067251"/>
-          </a:xfrm>
-          <a:prstGeom prst="rect">
-            <a:avLst/>
-          </a:prstGeom>
-        </p:spPr>
-      </p:pic>
-      <p:pic>
-        <p:nvPicPr>
-          <p:cNvPr id="9" name="Picture 8" descr="A black chevron with a black background&#10;&#10;AI-generated content may be incorrect.">
-            <a:extLst>
-              <a:ext uri="{FF2B5EF4-FFF2-40B4-BE49-F238E27FC236}">
-                <a16:creationId xmlns:a16="http://schemas.microsoft.com/office/drawing/2014/main" id="{CE459215-34DB-609E-094F-0B251C4D4114}"/>
-              </a:ext>
-            </a:extLst>
-          </p:cNvPr>
-          <p:cNvPicPr>
-            <a:picLocks noChangeAspect="1"/>
-          </p:cNvPicPr>
-          <p:nvPr/>
-        </p:nvPicPr>
-        <p:blipFill>
-          <a:blip r:embed="rId3"/>
-          <a:stretch>
-            <a:fillRect/>
-          </a:stretch>
-        </p:blipFill>
-        <p:spPr>
-          <a:xfrm rot="10800000">
-            <a:off x="5640597" y="284888"/>
-            <a:ext cx="1160055" cy="1067251"/>
-          </a:xfrm>
-          <a:prstGeom prst="rect">
-            <a:avLst/>
-          </a:prstGeom>
-        </p:spPr>
-      </p:pic>
+            <a:ln>
+              <a:solidFill>
+                <a:schemeClr val="bg1"/>
+              </a:solidFill>
+            </a:ln>
+          </p:spPr>
+          <p:style>
+            <a:lnRef idx="2">
+              <a:schemeClr val="accent1">
+                <a:shade val="15000"/>
+              </a:schemeClr>
+            </a:lnRef>
+            <a:fillRef idx="1">
+              <a:schemeClr val="accent1"/>
+            </a:fillRef>
+            <a:effectRef idx="0">
+              <a:schemeClr val="accent1"/>
+            </a:effectRef>
+            <a:fontRef idx="minor">
+              <a:schemeClr val="lt1"/>
+            </a:fontRef>
+          </p:style>
+          <p:txBody>
+            <a:bodyPr rtlCol="0" anchor="ctr"/>
+            <a:lstStyle/>
+            <a:p>
+              <a:pPr algn="ctr"/>
+              <a:endParaRPr lang="en-GB"/>
+            </a:p>
+          </p:txBody>
+        </p:sp>
+        <p:pic>
+          <p:nvPicPr>
+            <p:cNvPr id="12" name="Picture 11" descr="A black chevron with a black background&#10;&#10;AI-generated content may be incorrect.">
+              <a:extLst>
+                <a:ext uri="{FF2B5EF4-FFF2-40B4-BE49-F238E27FC236}">
+                  <a16:creationId xmlns:a16="http://schemas.microsoft.com/office/drawing/2014/main" id="{344B0C4B-6E5E-9E0F-8479-92C684DF95FB}"/>
+                </a:ext>
+              </a:extLst>
+            </p:cNvPr>
+            <p:cNvPicPr>
+              <a:picLocks noChangeAspect="1"/>
+            </p:cNvPicPr>
+            <p:nvPr/>
+          </p:nvPicPr>
+          <p:blipFill>
+            <a:blip r:embed="rId3"/>
+            <a:stretch>
+              <a:fillRect/>
+            </a:stretch>
+          </p:blipFill>
+          <p:spPr>
+            <a:xfrm>
+              <a:off x="5640597" y="5403240"/>
+              <a:ext cx="1160055" cy="1067251"/>
+            </a:xfrm>
+            <a:prstGeom prst="rect">
+              <a:avLst/>
+            </a:prstGeom>
+          </p:spPr>
+        </p:pic>
+        <p:pic>
+          <p:nvPicPr>
+            <p:cNvPr id="13" name="Picture 12" descr="A black chevron with a black background&#10;&#10;AI-generated content may be incorrect.">
+              <a:extLst>
+                <a:ext uri="{FF2B5EF4-FFF2-40B4-BE49-F238E27FC236}">
+                  <a16:creationId xmlns:a16="http://schemas.microsoft.com/office/drawing/2014/main" id="{B72EE29A-033E-E26B-802D-2441CB02DF1F}"/>
+                </a:ext>
+              </a:extLst>
+            </p:cNvPr>
+            <p:cNvPicPr>
+              <a:picLocks noChangeAspect="1"/>
+            </p:cNvPicPr>
+            <p:nvPr/>
+          </p:nvPicPr>
+          <p:blipFill>
+            <a:blip r:embed="rId3"/>
+            <a:stretch>
+              <a:fillRect/>
+            </a:stretch>
+          </p:blipFill>
+          <p:spPr>
+            <a:xfrm rot="10800000">
+              <a:off x="5640597" y="284888"/>
+              <a:ext cx="1160055" cy="1067251"/>
+            </a:xfrm>
+            <a:prstGeom prst="rect">
+              <a:avLst/>
+            </a:prstGeom>
+          </p:spPr>
+        </p:pic>
+      </p:grpSp>
     </p:spTree>
     <p:extLst>
       <p:ext uri="{BB962C8B-B14F-4D97-AF65-F5344CB8AC3E}">
@@ -3482,7 +3150,7 @@
 <file path=ppt/theme/theme1.xml><?xml version="1.0" encoding="utf-8"?>
 <a:theme xmlns:a="http://schemas.openxmlformats.org/drawingml/2006/main" name="Office Theme">
   <a:themeElements>
-    <a:clrScheme name="Office">
+    <a:clrScheme name="Office Theme">
       <a:dk1>
         <a:sysClr val="windowText" lastClr="000000"/>
       </a:dk1>
@@ -3520,7 +3188,7 @@
         <a:srgbClr val="96607D"/>
       </a:folHlink>
     </a:clrScheme>
-    <a:fontScheme name="Office">
+    <a:fontScheme name="Office Theme">
       <a:majorFont>
         <a:latin typeface="Aptos Display" panose="02110004020202020204"/>
         <a:ea typeface=""/>
@@ -3626,7 +3294,7 @@
         <a:font script="Tfng" typeface="Ebrima"/>
       </a:minorFont>
     </a:fontScheme>
-    <a:fmtScheme name="Office">
+    <a:fmtScheme name="Office Theme">
       <a:fillStyleLst>
         <a:solidFill>
           <a:schemeClr val="phClr"/>

--- a/misc/cover.pptx
+++ b/misc/cover.pptx
@@ -6,6 +6,7 @@
   </p:sldMasterIdLst>
   <p:sldIdLst>
     <p:sldId id="256" r:id="rId2"/>
+    <p:sldId id="257" r:id="rId3"/>
   </p:sldIdLst>
   <p:sldSz cx="6858000" cy="11879263"/>
   <p:notesSz cx="6858000" cy="9144000"/>
@@ -104,6 +105,11 @@
       </a:defRPr>
     </a:lvl9pPr>
   </p:defaultTextStyle>
+  <p:extLst>
+    <p:ext uri="{EFAFB233-063F-42B5-8137-9DF3F51BA10A}">
+      <p15:sldGuideLst xmlns:p15="http://schemas.microsoft.com/office/powerpoint/2012/main"/>
+    </p:ext>
+  </p:extLst>
 </p:presentation>
 </file>
 
@@ -3147,6 +3153,160 @@
 </p:sld>
 </file>
 
+<file path=ppt/slides/slide2.xml><?xml version="1.0" encoding="utf-8"?>
+<p:sld xmlns:a="http://schemas.openxmlformats.org/drawingml/2006/main" xmlns:r="http://schemas.openxmlformats.org/officeDocument/2006/relationships" xmlns:p="http://schemas.openxmlformats.org/presentationml/2006/main">
+  <p:cSld>
+    <p:spTree>
+      <p:nvGrpSpPr>
+        <p:cNvPr id="1" name="">
+          <a:extLst>
+            <a:ext uri="{FF2B5EF4-FFF2-40B4-BE49-F238E27FC236}">
+              <a16:creationId xmlns:a16="http://schemas.microsoft.com/office/drawing/2014/main" id="{883B2A40-1B49-5852-CF16-247DCA8D48BC}"/>
+            </a:ext>
+          </a:extLst>
+        </p:cNvPr>
+        <p:cNvGrpSpPr/>
+        <p:nvPr/>
+      </p:nvGrpSpPr>
+      <p:grpSpPr>
+        <a:xfrm>
+          <a:off x="0" y="0"/>
+          <a:ext cx="0" cy="0"/>
+          <a:chOff x="0" y="0"/>
+          <a:chExt cx="0" cy="0"/>
+        </a:xfrm>
+      </p:grpSpPr>
+      <p:sp>
+        <p:nvSpPr>
+          <p:cNvPr id="2" name="Rectangle 1">
+            <a:extLst>
+              <a:ext uri="{FF2B5EF4-FFF2-40B4-BE49-F238E27FC236}">
+                <a16:creationId xmlns:a16="http://schemas.microsoft.com/office/drawing/2014/main" id="{052381CA-E72E-17C7-8287-09DACBEB5339}"/>
+              </a:ext>
+            </a:extLst>
+          </p:cNvPr>
+          <p:cNvSpPr/>
+          <p:nvPr/>
+        </p:nvSpPr>
+        <p:spPr>
+          <a:xfrm>
+            <a:off x="0" y="-20638"/>
+            <a:ext cx="6858000" cy="11879263"/>
+          </a:xfrm>
+          <a:prstGeom prst="rect">
+            <a:avLst/>
+          </a:prstGeom>
+          <a:solidFill>
+            <a:schemeClr val="tx1"/>
+          </a:solidFill>
+          <a:ln>
+            <a:solidFill>
+              <a:schemeClr val="tx1"/>
+            </a:solidFill>
+          </a:ln>
+        </p:spPr>
+        <p:style>
+          <a:lnRef idx="2">
+            <a:schemeClr val="accent1">
+              <a:shade val="15000"/>
+            </a:schemeClr>
+          </a:lnRef>
+          <a:fillRef idx="1">
+            <a:schemeClr val="accent1"/>
+          </a:fillRef>
+          <a:effectRef idx="0">
+            <a:schemeClr val="accent1"/>
+          </a:effectRef>
+          <a:fontRef idx="minor">
+            <a:schemeClr val="lt1"/>
+          </a:fontRef>
+        </p:style>
+        <p:txBody>
+          <a:bodyPr rtlCol="0" anchor="ctr"/>
+          <a:lstStyle/>
+          <a:p>
+            <a:pPr algn="ctr"/>
+            <a:endParaRPr lang="en-GB"/>
+          </a:p>
+        </p:txBody>
+      </p:sp>
+      <p:pic>
+        <p:nvPicPr>
+          <p:cNvPr id="4" name="Picture 3" descr="A black chevron with a black background&#10;&#10;AI-generated content may be incorrect.">
+            <a:extLst>
+              <a:ext uri="{FF2B5EF4-FFF2-40B4-BE49-F238E27FC236}">
+                <a16:creationId xmlns:a16="http://schemas.microsoft.com/office/drawing/2014/main" id="{312A618C-E529-5A14-060D-90EB3AC45479}"/>
+              </a:ext>
+            </a:extLst>
+          </p:cNvPr>
+          <p:cNvPicPr>
+            <a:picLocks noChangeAspect="1"/>
+          </p:cNvPicPr>
+          <p:nvPr/>
+        </p:nvPicPr>
+        <p:blipFill>
+          <a:blip r:embed="rId2">
+            <a:lum bright="70000" contrast="-70000"/>
+          </a:blip>
+          <a:stretch>
+            <a:fillRect/>
+          </a:stretch>
+        </p:blipFill>
+        <p:spPr>
+          <a:xfrm>
+            <a:off x="1531370" y="8111190"/>
+            <a:ext cx="3795261" cy="3491640"/>
+          </a:xfrm>
+          <a:prstGeom prst="rect">
+            <a:avLst/>
+          </a:prstGeom>
+        </p:spPr>
+      </p:pic>
+      <p:pic>
+        <p:nvPicPr>
+          <p:cNvPr id="5" name="Picture 4" descr="A black chevron with a black background&#10;&#10;AI-generated content may be incorrect.">
+            <a:extLst>
+              <a:ext uri="{FF2B5EF4-FFF2-40B4-BE49-F238E27FC236}">
+                <a16:creationId xmlns:a16="http://schemas.microsoft.com/office/drawing/2014/main" id="{324B9F95-1EB6-96C6-EF21-98585A9AF50A}"/>
+              </a:ext>
+            </a:extLst>
+          </p:cNvPr>
+          <p:cNvPicPr>
+            <a:picLocks noChangeAspect="1"/>
+          </p:cNvPicPr>
+          <p:nvPr/>
+        </p:nvPicPr>
+        <p:blipFill>
+          <a:blip r:embed="rId2">
+            <a:lum bright="70000" contrast="-70000"/>
+          </a:blip>
+          <a:stretch>
+            <a:fillRect/>
+          </a:stretch>
+        </p:blipFill>
+        <p:spPr>
+          <a:xfrm rot="10800000">
+            <a:off x="1531370" y="235158"/>
+            <a:ext cx="3795261" cy="3491640"/>
+          </a:xfrm>
+          <a:prstGeom prst="rect">
+            <a:avLst/>
+          </a:prstGeom>
+        </p:spPr>
+      </p:pic>
+    </p:spTree>
+    <p:extLst>
+      <p:ext uri="{BB962C8B-B14F-4D97-AF65-F5344CB8AC3E}">
+        <p14:creationId xmlns:p14="http://schemas.microsoft.com/office/powerpoint/2010/main" val="2501364411"/>
+      </p:ext>
+    </p:extLst>
+  </p:cSld>
+  <p:clrMapOvr>
+    <a:masterClrMapping/>
+  </p:clrMapOvr>
+</p:sld>
+</file>
+
 <file path=ppt/theme/theme1.xml><?xml version="1.0" encoding="utf-8"?>
 <a:theme xmlns:a="http://schemas.openxmlformats.org/drawingml/2006/main" name="Office Theme">
   <a:themeElements>
